--- a/1º Cuatrimestre/[AA] Aprendizaje Automático/Aprendizaje por Refuerzo/Aprendizaje_por_Refuerzo.pptx
+++ b/1º Cuatrimestre/[AA] Aprendizaje Automático/Aprendizaje por Refuerzo/Aprendizaje_por_Refuerzo.pptx
@@ -5,7 +5,7 @@
     <p:sldMasterId id="2147483660" r:id="rId1"/>
   </p:sldMasterIdLst>
   <p:notesMasterIdLst>
-    <p:notesMasterId r:id="rId30"/>
+    <p:notesMasterId r:id="rId31"/>
   </p:notesMasterIdLst>
   <p:sldIdLst>
     <p:sldId id="256" r:id="rId2"/>
@@ -36,6 +36,7 @@
     <p:sldId id="286" r:id="rId27"/>
     <p:sldId id="263" r:id="rId28"/>
     <p:sldId id="287" r:id="rId29"/>
+    <p:sldId id="288" r:id="rId30"/>
   </p:sldIdLst>
   <p:sldSz cx="12192000" cy="6858000"/>
   <p:notesSz cx="6858000" cy="9144000"/>
@@ -145,7 +146,7 @@
 <file path=ppt/revisionInfo.xml><?xml version="1.0" encoding="utf-8"?>
 <p1510:revInfo xmlns:a="http://schemas.openxmlformats.org/drawingml/2006/main" xmlns:r="http://schemas.openxmlformats.org/officeDocument/2006/relationships" xmlns:p1510="http://schemas.microsoft.com/office/powerpoint/2015/10/main">
   <p1510:revLst>
-    <p1510:client id="{966DFC1B-1CA3-4EBB-BDB0-1092BA445A15}" v="1656" dt="2022-11-18T18:15:47.202"/>
+    <p1510:client id="{966DFC1B-1CA3-4EBB-BDB0-1092BA445A15}" v="1673" dt="2022-11-21T09:48:05.535"/>
   </p1510:revLst>
 </p1510:revInfo>
 </file>
@@ -155,7 +156,7 @@
   <pc:docChgLst>
     <pc:chgData name="Alberto" userId="78a84c73-f82a-4350-bcdb-9d3ec95123ac" providerId="ADAL" clId="{966DFC1B-1CA3-4EBB-BDB0-1092BA445A15}"/>
     <pc:docChg chg="undo custSel addSld delSld modSld sldOrd addMainMaster delMainMaster addSection delSection">
-      <pc:chgData name="Alberto" userId="78a84c73-f82a-4350-bcdb-9d3ec95123ac" providerId="ADAL" clId="{966DFC1B-1CA3-4EBB-BDB0-1092BA445A15}" dt="2022-11-18T18:46:33.384" v="9330" actId="20577"/>
+      <pc:chgData name="Alberto" userId="78a84c73-f82a-4350-bcdb-9d3ec95123ac" providerId="ADAL" clId="{966DFC1B-1CA3-4EBB-BDB0-1092BA445A15}" dt="2022-11-21T09:53:59.327" v="9603" actId="20577"/>
       <pc:docMkLst>
         <pc:docMk/>
       </pc:docMkLst>
@@ -1091,7 +1092,7 @@
         </pc:picChg>
       </pc:sldChg>
       <pc:sldChg chg="addSp delSp modSp add mod modNotesTx">
-        <pc:chgData name="Alberto" userId="78a84c73-f82a-4350-bcdb-9d3ec95123ac" providerId="ADAL" clId="{966DFC1B-1CA3-4EBB-BDB0-1092BA445A15}" dt="2022-11-18T18:41:38.237" v="9292" actId="20577"/>
+        <pc:chgData name="Alberto" userId="78a84c73-f82a-4350-bcdb-9d3ec95123ac" providerId="ADAL" clId="{966DFC1B-1CA3-4EBB-BDB0-1092BA445A15}" dt="2022-11-21T09:37:53.109" v="9456" actId="1076"/>
         <pc:sldMkLst>
           <pc:docMk/>
           <pc:sldMk cId="298396335" sldId="260"/>
@@ -1272,8 +1273,8 @@
             <ac:spMk id="27" creationId="{88BF9326-519F-2F36-BCFE-4054F6E33FF6}"/>
           </ac:spMkLst>
         </pc:spChg>
-        <pc:grpChg chg="add mod">
-          <ac:chgData name="Alberto" userId="78a84c73-f82a-4350-bcdb-9d3ec95123ac" providerId="ADAL" clId="{966DFC1B-1CA3-4EBB-BDB0-1092BA445A15}" dt="2022-11-17T17:38:53.136" v="6468" actId="1076"/>
+        <pc:grpChg chg="add del mod">
+          <ac:chgData name="Alberto" userId="78a84c73-f82a-4350-bcdb-9d3ec95123ac" providerId="ADAL" clId="{966DFC1B-1CA3-4EBB-BDB0-1092BA445A15}" dt="2022-11-21T09:37:48.928" v="9453" actId="478"/>
           <ac:grpSpMkLst>
             <pc:docMk/>
             <pc:sldMk cId="298396335" sldId="260"/>
@@ -1296,9 +1297,17 @@
             <ac:picMk id="8" creationId="{6F2C3D7C-B73D-3CD8-7D20-3C08DEE506B2}"/>
           </ac:picMkLst>
         </pc:picChg>
+        <pc:picChg chg="add mod">
+          <ac:chgData name="Alberto" userId="78a84c73-f82a-4350-bcdb-9d3ec95123ac" providerId="ADAL" clId="{966DFC1B-1CA3-4EBB-BDB0-1092BA445A15}" dt="2022-11-21T09:37:53.109" v="9456" actId="1076"/>
+          <ac:picMkLst>
+            <pc:docMk/>
+            <pc:sldMk cId="298396335" sldId="260"/>
+            <ac:picMk id="2050" creationId="{CAE7F05C-619B-C855-0FAE-DC239BDBA909}"/>
+          </ac:picMkLst>
+        </pc:picChg>
       </pc:sldChg>
       <pc:sldChg chg="addSp delSp modSp add mod ord modNotesTx">
-        <pc:chgData name="Alberto" userId="78a84c73-f82a-4350-bcdb-9d3ec95123ac" providerId="ADAL" clId="{966DFC1B-1CA3-4EBB-BDB0-1092BA445A15}" dt="2022-11-18T17:51:33.276" v="9186"/>
+        <pc:chgData name="Alberto" userId="78a84c73-f82a-4350-bcdb-9d3ec95123ac" providerId="ADAL" clId="{966DFC1B-1CA3-4EBB-BDB0-1092BA445A15}" dt="2022-11-21T09:48:29.070" v="9489" actId="20577"/>
         <pc:sldMkLst>
           <pc:docMk/>
           <pc:sldMk cId="1988549627" sldId="261"/>
@@ -1617,7 +1626,7 @@
         </pc:spChg>
       </pc:sldChg>
       <pc:sldChg chg="addSp delSp modSp add mod modNotesTx">
-        <pc:chgData name="Alberto" userId="78a84c73-f82a-4350-bcdb-9d3ec95123ac" providerId="ADAL" clId="{966DFC1B-1CA3-4EBB-BDB0-1092BA445A15}" dt="2022-11-18T17:52:27.494" v="9188"/>
+        <pc:chgData name="Alberto" userId="78a84c73-f82a-4350-bcdb-9d3ec95123ac" providerId="ADAL" clId="{966DFC1B-1CA3-4EBB-BDB0-1092BA445A15}" dt="2022-11-21T09:50:09.270" v="9573" actId="20577"/>
         <pc:sldMkLst>
           <pc:docMk/>
           <pc:sldMk cId="2273395666" sldId="269"/>
@@ -1720,7 +1729,7 @@
         </pc:cxnChg>
       </pc:sldChg>
       <pc:sldChg chg="addSp delSp modSp add mod modNotesTx">
-        <pc:chgData name="Alberto" userId="78a84c73-f82a-4350-bcdb-9d3ec95123ac" providerId="ADAL" clId="{966DFC1B-1CA3-4EBB-BDB0-1092BA445A15}" dt="2022-11-18T17:52:53.658" v="9189"/>
+        <pc:chgData name="Alberto" userId="78a84c73-f82a-4350-bcdb-9d3ec95123ac" providerId="ADAL" clId="{966DFC1B-1CA3-4EBB-BDB0-1092BA445A15}" dt="2022-11-21T09:50:56.033" v="9595" actId="20577"/>
         <pc:sldMkLst>
           <pc:docMk/>
           <pc:sldMk cId="994924442" sldId="270"/>
@@ -1923,7 +1932,7 @@
         </pc:spChg>
       </pc:sldChg>
       <pc:sldChg chg="addSp delSp modSp add mod ord modNotesTx">
-        <pc:chgData name="Alberto" userId="78a84c73-f82a-4350-bcdb-9d3ec95123ac" providerId="ADAL" clId="{966DFC1B-1CA3-4EBB-BDB0-1092BA445A15}" dt="2022-11-18T18:38:36.539" v="9257" actId="20577"/>
+        <pc:chgData name="Alberto" userId="78a84c73-f82a-4350-bcdb-9d3ec95123ac" providerId="ADAL" clId="{966DFC1B-1CA3-4EBB-BDB0-1092BA445A15}" dt="2022-11-21T09:34:21.222" v="9398" actId="478"/>
         <pc:sldMkLst>
           <pc:docMk/>
           <pc:sldMk cId="196312947" sldId="275"/>
@@ -2032,6 +2041,14 @@
             <ac:spMk id="23" creationId="{F459E177-6862-C212-392B-3D4DA7A3CF54}"/>
           </ac:spMkLst>
         </pc:spChg>
+        <pc:picChg chg="add del mod">
+          <ac:chgData name="Alberto" userId="78a84c73-f82a-4350-bcdb-9d3ec95123ac" providerId="ADAL" clId="{966DFC1B-1CA3-4EBB-BDB0-1092BA445A15}" dt="2022-11-21T09:34:21.222" v="9398" actId="478"/>
+          <ac:picMkLst>
+            <pc:docMk/>
+            <pc:sldMk cId="196312947" sldId="275"/>
+            <ac:picMk id="1026" creationId="{FD3FDE00-5E0B-A81F-D9D1-21D3B660E149}"/>
+          </ac:picMkLst>
+        </pc:picChg>
         <pc:picChg chg="add mod">
           <ac:chgData name="Alberto" userId="78a84c73-f82a-4350-bcdb-9d3ec95123ac" providerId="ADAL" clId="{966DFC1B-1CA3-4EBB-BDB0-1092BA445A15}" dt="2022-11-17T10:01:30.652" v="3072" actId="1076"/>
           <ac:picMkLst>
@@ -2160,7 +2177,7 @@
         </pc:spChg>
       </pc:sldChg>
       <pc:sldChg chg="addSp delSp modSp add mod modNotesTx">
-        <pc:chgData name="Alberto" userId="78a84c73-f82a-4350-bcdb-9d3ec95123ac" providerId="ADAL" clId="{966DFC1B-1CA3-4EBB-BDB0-1092BA445A15}" dt="2022-11-18T18:00:58.271" v="9212"/>
+        <pc:chgData name="Alberto" userId="78a84c73-f82a-4350-bcdb-9d3ec95123ac" providerId="ADAL" clId="{966DFC1B-1CA3-4EBB-BDB0-1092BA445A15}" dt="2022-11-21T09:53:59.327" v="9603" actId="20577"/>
         <pc:sldMkLst>
           <pc:docMk/>
           <pc:sldMk cId="4061041451" sldId="278"/>
@@ -2903,6 +2920,85 @@
           <ac:spMkLst>
             <pc:docMk/>
             <pc:sldMk cId="3703256276" sldId="287"/>
+            <ac:spMk id="14" creationId="{0E682A14-CCB7-F269-6D61-C1F19B41D0F8}"/>
+          </ac:spMkLst>
+        </pc:spChg>
+      </pc:sldChg>
+      <pc:sldChg chg="addSp delSp modSp add mod modNotesTx">
+        <pc:chgData name="Alberto" userId="78a84c73-f82a-4350-bcdb-9d3ec95123ac" providerId="ADAL" clId="{966DFC1B-1CA3-4EBB-BDB0-1092BA445A15}" dt="2022-11-21T09:48:14.864" v="9488" actId="20577"/>
+        <pc:sldMkLst>
+          <pc:docMk/>
+          <pc:sldMk cId="4159250146" sldId="288"/>
+        </pc:sldMkLst>
+        <pc:spChg chg="mod">
+          <ac:chgData name="Alberto" userId="78a84c73-f82a-4350-bcdb-9d3ec95123ac" providerId="ADAL" clId="{966DFC1B-1CA3-4EBB-BDB0-1092BA445A15}" dt="2022-11-21T09:15:04.469" v="9346" actId="20577"/>
+          <ac:spMkLst>
+            <pc:docMk/>
+            <pc:sldMk cId="4159250146" sldId="288"/>
+            <ac:spMk id="2" creationId="{951235A3-6CFC-DA6B-F247-0C274332F9BA}"/>
+          </ac:spMkLst>
+        </pc:spChg>
+        <pc:spChg chg="del">
+          <ac:chgData name="Alberto" userId="78a84c73-f82a-4350-bcdb-9d3ec95123ac" providerId="ADAL" clId="{966DFC1B-1CA3-4EBB-BDB0-1092BA445A15}" dt="2022-11-21T09:14:55.748" v="9332" actId="478"/>
+          <ac:spMkLst>
+            <pc:docMk/>
+            <pc:sldMk cId="4159250146" sldId="288"/>
+            <ac:spMk id="3" creationId="{279D6A89-C75E-87CF-5A2E-D3E1999CED3B}"/>
+          </ac:spMkLst>
+        </pc:spChg>
+        <pc:spChg chg="del">
+          <ac:chgData name="Alberto" userId="78a84c73-f82a-4350-bcdb-9d3ec95123ac" providerId="ADAL" clId="{966DFC1B-1CA3-4EBB-BDB0-1092BA445A15}" dt="2022-11-21T09:14:58.222" v="9333" actId="478"/>
+          <ac:spMkLst>
+            <pc:docMk/>
+            <pc:sldMk cId="4159250146" sldId="288"/>
+            <ac:spMk id="7" creationId="{54B5E2FF-0467-69B3-78B4-A9FD6F4073E0}"/>
+          </ac:spMkLst>
+        </pc:spChg>
+        <pc:spChg chg="del">
+          <ac:chgData name="Alberto" userId="78a84c73-f82a-4350-bcdb-9d3ec95123ac" providerId="ADAL" clId="{966DFC1B-1CA3-4EBB-BDB0-1092BA445A15}" dt="2022-11-21T09:14:55.748" v="9332" actId="478"/>
+          <ac:spMkLst>
+            <pc:docMk/>
+            <pc:sldMk cId="4159250146" sldId="288"/>
+            <ac:spMk id="9" creationId="{95A439FB-18FB-1E8F-ED54-1149FCD6C7F2}"/>
+          </ac:spMkLst>
+        </pc:spChg>
+        <pc:spChg chg="del">
+          <ac:chgData name="Alberto" userId="78a84c73-f82a-4350-bcdb-9d3ec95123ac" providerId="ADAL" clId="{966DFC1B-1CA3-4EBB-BDB0-1092BA445A15}" dt="2022-11-21T09:14:55.748" v="9332" actId="478"/>
+          <ac:spMkLst>
+            <pc:docMk/>
+            <pc:sldMk cId="4159250146" sldId="288"/>
+            <ac:spMk id="10" creationId="{6FCE3DB9-0651-E27A-B279-9395E0158322}"/>
+          </ac:spMkLst>
+        </pc:spChg>
+        <pc:spChg chg="add mod">
+          <ac:chgData name="Alberto" userId="78a84c73-f82a-4350-bcdb-9d3ec95123ac" providerId="ADAL" clId="{966DFC1B-1CA3-4EBB-BDB0-1092BA445A15}" dt="2022-11-21T09:48:14.864" v="9488" actId="20577"/>
+          <ac:spMkLst>
+            <pc:docMk/>
+            <pc:sldMk cId="4159250146" sldId="288"/>
+            <ac:spMk id="11" creationId="{E3C2F007-687B-AC79-915B-84C21BA33855}"/>
+          </ac:spMkLst>
+        </pc:spChg>
+        <pc:spChg chg="del">
+          <ac:chgData name="Alberto" userId="78a84c73-f82a-4350-bcdb-9d3ec95123ac" providerId="ADAL" clId="{966DFC1B-1CA3-4EBB-BDB0-1092BA445A15}" dt="2022-11-21T09:14:55.748" v="9332" actId="478"/>
+          <ac:spMkLst>
+            <pc:docMk/>
+            <pc:sldMk cId="4159250146" sldId="288"/>
+            <ac:spMk id="12" creationId="{B7F47FC6-1B8E-25E9-2E53-5C91BEC8E269}"/>
+          </ac:spMkLst>
+        </pc:spChg>
+        <pc:spChg chg="del">
+          <ac:chgData name="Alberto" userId="78a84c73-f82a-4350-bcdb-9d3ec95123ac" providerId="ADAL" clId="{966DFC1B-1CA3-4EBB-BDB0-1092BA445A15}" dt="2022-11-21T09:36:38.802" v="9452" actId="478"/>
+          <ac:spMkLst>
+            <pc:docMk/>
+            <pc:sldMk cId="4159250146" sldId="288"/>
+            <ac:spMk id="13" creationId="{EAD80DB8-67A8-9659-F1C5-02C4D3DEB359}"/>
+          </ac:spMkLst>
+        </pc:spChg>
+        <pc:spChg chg="del">
+          <ac:chgData name="Alberto" userId="78a84c73-f82a-4350-bcdb-9d3ec95123ac" providerId="ADAL" clId="{966DFC1B-1CA3-4EBB-BDB0-1092BA445A15}" dt="2022-11-21T09:14:55.748" v="9332" actId="478"/>
+          <ac:spMkLst>
+            <pc:docMk/>
+            <pc:sldMk cId="4159250146" sldId="288"/>
             <ac:spMk id="14" creationId="{0E682A14-CCB7-F269-6D61-C1F19B41D0F8}"/>
           </ac:spMkLst>
         </pc:spChg>
@@ -4324,7 +4420,7 @@
           <a:p>
             <a:fld id="{6C85CE88-137D-43C3-8414-6540075C91A5}" type="datetimeFigureOut">
               <a:rPr lang="es-ES" smtClean="0"/>
-              <a:t>18/11/2022</a:t>
+              <a:t>21/11/2022</a:t>
             </a:fld>
             <a:endParaRPr lang="es-ES"/>
           </a:p>
@@ -5608,10 +5704,8 @@
                 <a:ea typeface="Calibri" panose="020F0502020204030204" pitchFamily="34" charset="0"/>
                 <a:cs typeface="Arial" panose="020B0604020202020204" pitchFamily="34" charset="0"/>
               </a:rPr>
-              <a:t>, es la cantidad de recompensa total que un agente puede estimar que acumulará en un futuro desde el estado actual. El agente deberá elegir la acción que realizará de forma que maximice el valor a largo plazo y no la recompensa inmediata. El agente vuelve a estimar los valores de los estados con las observaciones del entorno.</a:t>
-            </a:r>
-          </a:p>
-          <a:p>
+              <a:t>, es la cantidad de recompensa total que un agente puede estimar que acumulará en un futuro desde el estado actual. El agente deberá elegir la acción que realizará de forma que maximice el valor a largo plazo y no la recompensa inmediata. </a:t>
+            </a:r>
             <a:endParaRPr lang="es-ES" dirty="0"/>
           </a:p>
         </p:txBody>
@@ -7488,6 +7582,90 @@
 </p:notes>
 </file>
 
+<file path=ppt/notesSlides/notesSlide29.xml><?xml version="1.0" encoding="utf-8"?>
+<p:notes xmlns:a="http://schemas.openxmlformats.org/drawingml/2006/main" xmlns:r="http://schemas.openxmlformats.org/officeDocument/2006/relationships" xmlns:p="http://schemas.openxmlformats.org/presentationml/2006/main">
+  <p:cSld>
+    <p:spTree>
+      <p:nvGrpSpPr>
+        <p:cNvPr id="1" name=""/>
+        <p:cNvGrpSpPr/>
+        <p:nvPr/>
+      </p:nvGrpSpPr>
+      <p:grpSpPr>
+        <a:xfrm>
+          <a:off x="0" y="0"/>
+          <a:ext cx="0" cy="0"/>
+          <a:chOff x="0" y="0"/>
+          <a:chExt cx="0" cy="0"/>
+        </a:xfrm>
+      </p:grpSpPr>
+      <p:sp>
+        <p:nvSpPr>
+          <p:cNvPr id="2" name="Marcador de imagen de diapositiva 1"/>
+          <p:cNvSpPr>
+            <a:spLocks noGrp="1" noRot="1" noChangeAspect="1"/>
+          </p:cNvSpPr>
+          <p:nvPr>
+            <p:ph type="sldImg"/>
+          </p:nvPr>
+        </p:nvSpPr>
+        <p:spPr/>
+      </p:sp>
+      <p:sp>
+        <p:nvSpPr>
+          <p:cNvPr id="3" name="Marcador de notas 2"/>
+          <p:cNvSpPr>
+            <a:spLocks noGrp="1"/>
+          </p:cNvSpPr>
+          <p:nvPr>
+            <p:ph type="body" idx="1"/>
+          </p:nvPr>
+        </p:nvSpPr>
+        <p:spPr/>
+        <p:txBody>
+          <a:bodyPr/>
+          <a:lstStyle/>
+          <a:p>
+            <a:endParaRPr lang="es-ES" dirty="0"/>
+          </a:p>
+        </p:txBody>
+      </p:sp>
+      <p:sp>
+        <p:nvSpPr>
+          <p:cNvPr id="4" name="Marcador de número de diapositiva 3"/>
+          <p:cNvSpPr>
+            <a:spLocks noGrp="1"/>
+          </p:cNvSpPr>
+          <p:nvPr>
+            <p:ph type="sldNum" sz="quarter" idx="5"/>
+          </p:nvPr>
+        </p:nvSpPr>
+        <p:spPr/>
+        <p:txBody>
+          <a:bodyPr/>
+          <a:lstStyle/>
+          <a:p>
+            <a:fld id="{C03D8933-2804-496E-8776-A53A9C3F87AA}" type="slidenum">
+              <a:rPr lang="es-ES" smtClean="0"/>
+              <a:t>29</a:t>
+            </a:fld>
+            <a:endParaRPr lang="es-ES"/>
+          </a:p>
+        </p:txBody>
+      </p:sp>
+    </p:spTree>
+    <p:extLst>
+      <p:ext uri="{BB962C8B-B14F-4D97-AF65-F5344CB8AC3E}">
+        <p14:creationId xmlns:p14="http://schemas.microsoft.com/office/powerpoint/2010/main" val="635685794"/>
+      </p:ext>
+    </p:extLst>
+  </p:cSld>
+  <p:clrMapOvr>
+    <a:masterClrMapping/>
+  </p:clrMapOvr>
+</p:notes>
+</file>
+
 <file path=ppt/notesSlides/notesSlide3.xml><?xml version="1.0" encoding="utf-8"?>
 <p:notes xmlns:a="http://schemas.openxmlformats.org/drawingml/2006/main" xmlns:r="http://schemas.openxmlformats.org/officeDocument/2006/relationships" xmlns:p="http://schemas.openxmlformats.org/presentationml/2006/main">
   <p:cSld>
@@ -7556,10 +7734,8 @@
                 <a:ea typeface="Calibri" panose="020F0502020204030204" pitchFamily="34" charset="0"/>
                 <a:cs typeface="Arial" panose="020B0604020202020204" pitchFamily="34" charset="0"/>
               </a:rPr>
-              <a:t>El aprendizaje por refuerzo, como muchos otros temas en el aprendizaje automático, se inspira en un concepto biológico del mismo nombre. Consiste en aprender mediante la interacción con el entorno recibiendo recompensas (refuerzo positivo) o castigos (refuerzo negativo). De igual manera que un perro puede aprender instrucciones si le asociamos comida a esas instrucciones.</a:t>
-            </a:r>
-          </a:p>
-          <a:p>
+              <a:t>El aprendizaje por refuerzo, como muchos otros temas en el aprendizaje automático, se inspira en un concepto biológico del mismo nombre. Consiste en aprender mediante la interacción con el entorno recibiendo recompensas (refuerzo positivo) o castigos (refuerzo negativo). </a:t>
+            </a:r>
             <a:endParaRPr lang="es-ES" dirty="0"/>
           </a:p>
         </p:txBody>
@@ -7852,10 +8028,8 @@
                 <a:ea typeface="Calibri" panose="020F0502020204030204" pitchFamily="34" charset="0"/>
                 <a:cs typeface="Arial" panose="020B0604020202020204" pitchFamily="34" charset="0"/>
               </a:rPr>
-              <a:t> a la hora de realizar ciertas acciones. Ese refuerzo viene definido como el fortalecimiento de unos patrones de comportamiento como resultado de darle unos estímulos a un animal. Por último, Alan Turing, en 1948, publica un informe donde describe el diseño de un sistema placer-dolor en el que trabajaba junto con la ley de efecto.</a:t>
-            </a:r>
-          </a:p>
-          <a:p>
+              <a:t> a la hora de realizar ciertas acciones. El refuerzo se define como el fortalecimiento de unos patrones de comportamiento como resultado de darle unos estímulos a un animal, estos cambios se mantienen después de eliminar el reforzador.</a:t>
+            </a:r>
             <a:endParaRPr lang="es-ES" dirty="0"/>
           </a:p>
         </p:txBody>
@@ -8054,7 +8228,25 @@
                 <a:ea typeface="Calibri" panose="020F0502020204030204" pitchFamily="34" charset="0"/>
                 <a:cs typeface="Arial" panose="020B0604020202020204" pitchFamily="34" charset="0"/>
               </a:rPr>
-              <a:t>. Estos métodos sufren de lo que se conoce como </a:t>
+              <a:t>. Estos métodos sufren de lo que </a:t>
+            </a:r>
+            <a:r>
+              <a:rPr lang="es-ES" sz="1800" dirty="0" err="1">
+                <a:effectLst/>
+                <a:latin typeface="Times New Roman" panose="02020603050405020304" pitchFamily="18" charset="0"/>
+                <a:ea typeface="Calibri" panose="020F0502020204030204" pitchFamily="34" charset="0"/>
+                <a:cs typeface="Arial" panose="020B0604020202020204" pitchFamily="34" charset="0"/>
+              </a:rPr>
+              <a:t>Bellman</a:t>
+            </a:r>
+            <a:r>
+              <a:rPr lang="es-ES" sz="1800" dirty="0">
+                <a:effectLst/>
+                <a:latin typeface="Times New Roman" panose="02020603050405020304" pitchFamily="18" charset="0"/>
+                <a:ea typeface="Calibri" panose="020F0502020204030204" pitchFamily="34" charset="0"/>
+                <a:cs typeface="Arial" panose="020B0604020202020204" pitchFamily="34" charset="0"/>
+              </a:rPr>
+              <a:t> llamó la </a:t>
             </a:r>
             <a:r>
               <a:rPr lang="es-ES" sz="1800" b="1" dirty="0">
@@ -8774,7 +8966,7 @@
           <a:p>
             <a:fld id="{44685EB8-DDA2-4526-A1A9-3AE77C01E59A}" type="datetime1">
               <a:rPr lang="en-US" smtClean="0"/>
-              <a:t>11/18/2022</a:t>
+              <a:t>11/21/2022</a:t>
             </a:fld>
             <a:endParaRPr lang="en-US" dirty="0"/>
           </a:p>
@@ -9063,7 +9255,7 @@
           <a:p>
             <a:fld id="{7125E3D1-0B96-4014-8128-D093F7E393D5}" type="datetime1">
               <a:rPr lang="en-US" smtClean="0"/>
-              <a:t>11/18/2022</a:t>
+              <a:t>11/21/2022</a:t>
             </a:fld>
             <a:endParaRPr lang="en-US"/>
           </a:p>
@@ -9431,7 +9623,7 @@
           <a:p>
             <a:fld id="{E68A94BE-C6AA-4592-9228-646BA4141039}" type="datetime1">
               <a:rPr lang="en-US" smtClean="0"/>
-              <a:t>11/18/2022</a:t>
+              <a:t>11/21/2022</a:t>
             </a:fld>
             <a:endParaRPr lang="en-US" dirty="0"/>
           </a:p>
@@ -9697,7 +9889,7 @@
           <a:p>
             <a:fld id="{A3899897-0379-46C4-851B-885D34CA9340}" type="datetime1">
               <a:rPr lang="en-US" smtClean="0"/>
-              <a:t>11/18/2022</a:t>
+              <a:t>11/21/2022</a:t>
             </a:fld>
             <a:endParaRPr lang="en-US"/>
           </a:p>
@@ -10131,7 +10323,7 @@
           <a:p>
             <a:fld id="{294FF632-4753-46E9-A788-243AA6200F0D}" type="datetime1">
               <a:rPr lang="en-US" smtClean="0"/>
-              <a:t>11/18/2022</a:t>
+              <a:t>11/21/2022</a:t>
             </a:fld>
             <a:endParaRPr lang="en-US" dirty="0"/>
           </a:p>
@@ -10466,7 +10658,7 @@
           <a:p>
             <a:fld id="{BE4DA2C3-520D-4EE8-BE80-4C2B1E8E9DAE}" type="datetime1">
               <a:rPr lang="en-US" smtClean="0"/>
-              <a:t>11/18/2022</a:t>
+              <a:t>11/21/2022</a:t>
             </a:fld>
             <a:endParaRPr lang="en-US" dirty="0"/>
           </a:p>
@@ -10903,7 +11095,7 @@
           <a:p>
             <a:fld id="{2B774A94-35C8-4451-8155-915BE725EEBE}" type="datetime1">
               <a:rPr lang="en-US" smtClean="0"/>
-              <a:t>11/18/2022</a:t>
+              <a:t>11/21/2022</a:t>
             </a:fld>
             <a:endParaRPr lang="en-US" dirty="0"/>
           </a:p>
@@ -11059,7 +11251,7 @@
           <a:p>
             <a:fld id="{AE519493-0558-46EC-8BF1-4BEAE0C037DC}" type="datetime1">
               <a:rPr lang="en-US" smtClean="0"/>
-              <a:t>11/18/2022</a:t>
+              <a:t>11/21/2022</a:t>
             </a:fld>
             <a:endParaRPr lang="en-US"/>
           </a:p>
@@ -11226,7 +11418,7 @@
           <a:p>
             <a:fld id="{9773F3DC-8F16-4452-94B5-4EFEB4BD5297}" type="datetime1">
               <a:rPr lang="en-US" smtClean="0"/>
-              <a:t>11/18/2022</a:t>
+              <a:t>11/21/2022</a:t>
             </a:fld>
             <a:endParaRPr lang="en-US"/>
           </a:p>
@@ -11759,7 +11951,7 @@
           <a:p>
             <a:fld id="{961A9EA3-23F9-4779-9403-3CE7EC3B749C}" type="datetime1">
               <a:rPr lang="en-US" smtClean="0"/>
-              <a:t>11/18/2022</a:t>
+              <a:t>11/21/2022</a:t>
             </a:fld>
             <a:endParaRPr lang="en-US" dirty="0"/>
           </a:p>
@@ -12284,7 +12476,7 @@
           <a:p>
             <a:fld id="{A16627B3-5F3B-49AF-AF84-1EC48EA868F5}" type="datetime1">
               <a:rPr lang="en-US" smtClean="0"/>
-              <a:t>11/18/2022</a:t>
+              <a:t>11/21/2022</a:t>
             </a:fld>
             <a:endParaRPr lang="en-US" dirty="0"/>
           </a:p>
@@ -12838,7 +13030,7 @@
           <a:p>
             <a:fld id="{60226ADC-2FD8-401E-8385-0FEC7AAFC1C2}" type="datetime1">
               <a:rPr lang="en-US" smtClean="0"/>
-              <a:t>11/18/2022</a:t>
+              <a:t>11/21/2022</a:t>
             </a:fld>
             <a:endParaRPr lang="en-US" dirty="0"/>
           </a:p>
@@ -19104,518 +19296,6 @@
           </a:p>
         </p:txBody>
       </p:sp>
-      <p:grpSp>
-        <p:nvGrpSpPr>
-          <p:cNvPr id="18" name="Grupo 17">
-            <a:extLst>
-              <a:ext uri="{FF2B5EF4-FFF2-40B4-BE49-F238E27FC236}">
-                <a16:creationId xmlns:a16="http://schemas.microsoft.com/office/drawing/2014/main" id="{CFC0857B-6832-FA32-8EB8-2C8DC55AB412}"/>
-              </a:ext>
-            </a:extLst>
-          </p:cNvPr>
-          <p:cNvGrpSpPr/>
-          <p:nvPr/>
-        </p:nvGrpSpPr>
-        <p:grpSpPr>
-          <a:xfrm>
-            <a:off x="5606472" y="2807749"/>
-            <a:ext cx="5003370" cy="1862988"/>
-            <a:chOff x="613520" y="2616561"/>
-            <a:chExt cx="9294083" cy="3528438"/>
-          </a:xfrm>
-        </p:grpSpPr>
-        <p:pic>
-          <p:nvPicPr>
-            <p:cNvPr id="8" name="Picture 2" descr="NUS Computing - Artificial Intelligence">
-              <a:extLst>
-                <a:ext uri="{FF2B5EF4-FFF2-40B4-BE49-F238E27FC236}">
-                  <a16:creationId xmlns:a16="http://schemas.microsoft.com/office/drawing/2014/main" id="{6F2C3D7C-B73D-3CD8-7D20-3C08DEE506B2}"/>
-                </a:ext>
-              </a:extLst>
-            </p:cNvPr>
-            <p:cNvPicPr>
-              <a:picLocks noChangeAspect="1" noChangeArrowheads="1"/>
-            </p:cNvPicPr>
-            <p:nvPr/>
-          </p:nvPicPr>
-          <p:blipFill>
-            <a:blip r:embed="rId4">
-              <a:extLst>
-                <a:ext uri="{28A0092B-C50C-407E-A947-70E740481C1C}">
-                  <a14:useLocalDpi xmlns:a14="http://schemas.microsoft.com/office/drawing/2010/main" val="0"/>
-                </a:ext>
-              </a:extLst>
-            </a:blip>
-            <a:srcRect/>
-            <a:stretch>
-              <a:fillRect/>
-            </a:stretch>
-          </p:blipFill>
-          <p:spPr bwMode="auto">
-            <a:xfrm>
-              <a:off x="2641341" y="3344460"/>
-              <a:ext cx="2072640" cy="2072640"/>
-            </a:xfrm>
-            <a:prstGeom prst="rect">
-              <a:avLst/>
-            </a:prstGeom>
-            <a:noFill/>
-            <a:extLst>
-              <a:ext uri="{909E8E84-426E-40DD-AFC4-6F175D3DCCD1}">
-                <a14:hiddenFill xmlns:a14="http://schemas.microsoft.com/office/drawing/2010/main">
-                  <a:solidFill>
-                    <a:srgbClr val="FFFFFF"/>
-                  </a:solidFill>
-                </a14:hiddenFill>
-              </a:ext>
-            </a:extLst>
-          </p:spPr>
-        </p:pic>
-        <p:sp>
-          <p:nvSpPr>
-            <p:cNvPr id="9" name="Elipse 8">
-              <a:extLst>
-                <a:ext uri="{FF2B5EF4-FFF2-40B4-BE49-F238E27FC236}">
-                  <a16:creationId xmlns:a16="http://schemas.microsoft.com/office/drawing/2014/main" id="{8233657A-4054-7CF9-098F-F08FDB280F2A}"/>
-                </a:ext>
-              </a:extLst>
-            </p:cNvPr>
-            <p:cNvSpPr/>
-            <p:nvPr/>
-          </p:nvSpPr>
-          <p:spPr>
-            <a:xfrm>
-              <a:off x="7650482" y="2955380"/>
-              <a:ext cx="2257121" cy="2284554"/>
-            </a:xfrm>
-            <a:prstGeom prst="ellipse">
-              <a:avLst/>
-            </a:prstGeom>
-          </p:spPr>
-          <p:style>
-            <a:lnRef idx="2">
-              <a:schemeClr val="accent1">
-                <a:shade val="50000"/>
-              </a:schemeClr>
-            </a:lnRef>
-            <a:fillRef idx="1">
-              <a:schemeClr val="accent1"/>
-            </a:fillRef>
-            <a:effectRef idx="0">
-              <a:schemeClr val="accent1"/>
-            </a:effectRef>
-            <a:fontRef idx="minor">
-              <a:schemeClr val="lt1"/>
-            </a:fontRef>
-          </p:style>
-          <p:txBody>
-            <a:bodyPr rtlCol="0" anchor="ctr"/>
-            <a:lstStyle/>
-            <a:p>
-              <a:pPr algn="ctr"/>
-              <a:r>
-                <a:rPr lang="es-ES" sz="900" dirty="0"/>
-                <a:t>Entorno</a:t>
-              </a:r>
-            </a:p>
-            <a:p>
-              <a:pPr algn="ctr"/>
-              <a:r>
-                <a:rPr lang="es-ES" sz="900" dirty="0"/>
-                <a:t>Parcialmente observable</a:t>
-              </a:r>
-            </a:p>
-          </p:txBody>
-        </p:sp>
-        <p:sp>
-          <p:nvSpPr>
-            <p:cNvPr id="10" name="Flecha: circular 9">
-              <a:extLst>
-                <a:ext uri="{FF2B5EF4-FFF2-40B4-BE49-F238E27FC236}">
-                  <a16:creationId xmlns:a16="http://schemas.microsoft.com/office/drawing/2014/main" id="{7B92E6AC-6AE9-3397-6DBC-2992D5C1367B}"/>
-                </a:ext>
-              </a:extLst>
-            </p:cNvPr>
-            <p:cNvSpPr/>
-            <p:nvPr/>
-          </p:nvSpPr>
-          <p:spPr>
-            <a:xfrm rot="679870">
-              <a:off x="3922841" y="2965179"/>
-              <a:ext cx="4729532" cy="2831203"/>
-            </a:xfrm>
-            <a:prstGeom prst="circularArrow">
-              <a:avLst>
-                <a:gd name="adj1" fmla="val 3812"/>
-                <a:gd name="adj2" fmla="val 485242"/>
-                <a:gd name="adj3" fmla="val 18547303"/>
-                <a:gd name="adj4" fmla="val 11671529"/>
-                <a:gd name="adj5" fmla="val 9342"/>
-              </a:avLst>
-            </a:prstGeom>
-          </p:spPr>
-          <p:style>
-            <a:lnRef idx="2">
-              <a:schemeClr val="accent1">
-                <a:shade val="50000"/>
-              </a:schemeClr>
-            </a:lnRef>
-            <a:fillRef idx="1">
-              <a:schemeClr val="accent1"/>
-            </a:fillRef>
-            <a:effectRef idx="0">
-              <a:schemeClr val="accent1"/>
-            </a:effectRef>
-            <a:fontRef idx="minor">
-              <a:schemeClr val="lt1"/>
-            </a:fontRef>
-          </p:style>
-          <p:txBody>
-            <a:bodyPr rtlCol="0" anchor="ctr"/>
-            <a:lstStyle/>
-            <a:p>
-              <a:pPr algn="ctr"/>
-              <a:endParaRPr lang="es-ES">
-                <a:solidFill>
-                  <a:schemeClr val="tx1"/>
-                </a:solidFill>
-              </a:endParaRPr>
-            </a:p>
-          </p:txBody>
-        </p:sp>
-        <p:sp>
-          <p:nvSpPr>
-            <p:cNvPr id="11" name="Flecha: circular 10">
-              <a:extLst>
-                <a:ext uri="{FF2B5EF4-FFF2-40B4-BE49-F238E27FC236}">
-                  <a16:creationId xmlns:a16="http://schemas.microsoft.com/office/drawing/2014/main" id="{6835F126-23AD-4B2F-34C3-101050364FD3}"/>
-                </a:ext>
-              </a:extLst>
-            </p:cNvPr>
-            <p:cNvSpPr/>
-            <p:nvPr/>
-          </p:nvSpPr>
-          <p:spPr>
-            <a:xfrm rot="10800000">
-              <a:off x="3505707" y="2616561"/>
-              <a:ext cx="4868167" cy="3528438"/>
-            </a:xfrm>
-            <a:prstGeom prst="circularArrow">
-              <a:avLst>
-                <a:gd name="adj1" fmla="val 3689"/>
-                <a:gd name="adj2" fmla="val 485242"/>
-                <a:gd name="adj3" fmla="val 18602527"/>
-                <a:gd name="adj4" fmla="val 11696155"/>
-                <a:gd name="adj5" fmla="val 9342"/>
-              </a:avLst>
-            </a:prstGeom>
-          </p:spPr>
-          <p:style>
-            <a:lnRef idx="2">
-              <a:schemeClr val="accent1">
-                <a:shade val="50000"/>
-              </a:schemeClr>
-            </a:lnRef>
-            <a:fillRef idx="1">
-              <a:schemeClr val="accent1"/>
-            </a:fillRef>
-            <a:effectRef idx="0">
-              <a:schemeClr val="accent1"/>
-            </a:effectRef>
-            <a:fontRef idx="minor">
-              <a:schemeClr val="lt1"/>
-            </a:fontRef>
-          </p:style>
-          <p:txBody>
-            <a:bodyPr rtlCol="0" anchor="ctr"/>
-            <a:lstStyle/>
-            <a:p>
-              <a:pPr algn="ctr"/>
-              <a:endParaRPr lang="es-ES">
-                <a:solidFill>
-                  <a:schemeClr val="tx1"/>
-                </a:solidFill>
-              </a:endParaRPr>
-            </a:p>
-          </p:txBody>
-        </p:sp>
-        <p:sp>
-          <p:nvSpPr>
-            <p:cNvPr id="12" name="Flecha: curvada hacia la izquierda 11">
-              <a:extLst>
-                <a:ext uri="{FF2B5EF4-FFF2-40B4-BE49-F238E27FC236}">
-                  <a16:creationId xmlns:a16="http://schemas.microsoft.com/office/drawing/2014/main" id="{758E90C4-F65C-A8A9-0F94-B2D6E92E9143}"/>
-                </a:ext>
-              </a:extLst>
-            </p:cNvPr>
-            <p:cNvSpPr/>
-            <p:nvPr/>
-          </p:nvSpPr>
-          <p:spPr>
-            <a:xfrm rot="11355738">
-              <a:off x="2251800" y="3374917"/>
-              <a:ext cx="490479" cy="1383030"/>
-            </a:xfrm>
-            <a:prstGeom prst="curvedLeftArrow">
-              <a:avLst/>
-            </a:prstGeom>
-          </p:spPr>
-          <p:style>
-            <a:lnRef idx="2">
-              <a:schemeClr val="accent1">
-                <a:shade val="50000"/>
-              </a:schemeClr>
-            </a:lnRef>
-            <a:fillRef idx="1">
-              <a:schemeClr val="accent1"/>
-            </a:fillRef>
-            <a:effectRef idx="0">
-              <a:schemeClr val="accent1"/>
-            </a:effectRef>
-            <a:fontRef idx="minor">
-              <a:schemeClr val="lt1"/>
-            </a:fontRef>
-          </p:style>
-          <p:txBody>
-            <a:bodyPr rtlCol="0" anchor="ctr"/>
-            <a:lstStyle/>
-            <a:p>
-              <a:pPr algn="ctr"/>
-              <a:endParaRPr lang="es-ES">
-                <a:solidFill>
-                  <a:schemeClr val="tx1"/>
-                </a:solidFill>
-              </a:endParaRPr>
-            </a:p>
-          </p:txBody>
-        </p:sp>
-        <p:sp>
-          <p:nvSpPr>
-            <p:cNvPr id="13" name="CuadroTexto 12">
-              <a:extLst>
-                <a:ext uri="{FF2B5EF4-FFF2-40B4-BE49-F238E27FC236}">
-                  <a16:creationId xmlns:a16="http://schemas.microsoft.com/office/drawing/2014/main" id="{7910800A-840F-E39B-B8F2-8B6B0755EBDA}"/>
-                </a:ext>
-              </a:extLst>
-            </p:cNvPr>
-            <p:cNvSpPr txBox="1"/>
-            <p:nvPr/>
-          </p:nvSpPr>
-          <p:spPr>
-            <a:xfrm>
-              <a:off x="613520" y="4026449"/>
-              <a:ext cx="1517278" cy="781866"/>
-            </a:xfrm>
-            <a:prstGeom prst="rect">
-              <a:avLst/>
-            </a:prstGeom>
-            <a:noFill/>
-          </p:spPr>
-          <p:txBody>
-            <a:bodyPr wrap="square" rtlCol="0">
-              <a:spAutoFit/>
-            </a:bodyPr>
-            <a:lstStyle/>
-            <a:p>
-              <a:pPr algn="ctr"/>
-              <a:r>
-                <a:rPr lang="es-ES" sz="1000" dirty="0"/>
-                <a:t>Estimación del Valor</a:t>
-              </a:r>
-            </a:p>
-          </p:txBody>
-        </p:sp>
-        <p:sp>
-          <p:nvSpPr>
-            <p:cNvPr id="14" name="CuadroTexto 13">
-              <a:extLst>
-                <a:ext uri="{FF2B5EF4-FFF2-40B4-BE49-F238E27FC236}">
-                  <a16:creationId xmlns:a16="http://schemas.microsoft.com/office/drawing/2014/main" id="{F4FDD51F-AB9B-052B-1A6C-F7362DDC7D8F}"/>
-                </a:ext>
-              </a:extLst>
-            </p:cNvPr>
-            <p:cNvSpPr txBox="1"/>
-            <p:nvPr/>
-          </p:nvSpPr>
-          <p:spPr>
-            <a:xfrm>
-              <a:off x="5087744" y="3346146"/>
-              <a:ext cx="1517278" cy="369332"/>
-            </a:xfrm>
-            <a:prstGeom prst="rect">
-              <a:avLst/>
-            </a:prstGeom>
-            <a:solidFill>
-              <a:schemeClr val="accent1">
-                <a:lumMod val="40000"/>
-                <a:lumOff val="60000"/>
-                <a:alpha val="50000"/>
-              </a:schemeClr>
-            </a:solidFill>
-          </p:spPr>
-          <p:txBody>
-            <a:bodyPr wrap="square" rtlCol="0">
-              <a:spAutoFit/>
-            </a:bodyPr>
-            <a:lstStyle>
-              <a:defPPr>
-                <a:defRPr lang="es-ES"/>
-              </a:defPPr>
-              <a:lvl1pPr algn="ctr">
-                <a:defRPr sz="1000"/>
-              </a:lvl1pPr>
-            </a:lstStyle>
-            <a:p>
-              <a:r>
-                <a:rPr lang="es-ES" dirty="0"/>
-                <a:t>Acción</a:t>
-              </a:r>
-            </a:p>
-          </p:txBody>
-        </p:sp>
-        <p:sp>
-          <p:nvSpPr>
-            <p:cNvPr id="15" name="CuadroTexto 14">
-              <a:extLst>
-                <a:ext uri="{FF2B5EF4-FFF2-40B4-BE49-F238E27FC236}">
-                  <a16:creationId xmlns:a16="http://schemas.microsoft.com/office/drawing/2014/main" id="{46092883-5856-8CC8-88BA-270A4FDD945C}"/>
-                </a:ext>
-              </a:extLst>
-            </p:cNvPr>
-            <p:cNvSpPr txBox="1"/>
-            <p:nvPr/>
-          </p:nvSpPr>
-          <p:spPr>
-            <a:xfrm>
-              <a:off x="5249633" y="5170570"/>
-              <a:ext cx="1517278" cy="463328"/>
-            </a:xfrm>
-            <a:prstGeom prst="rect">
-              <a:avLst/>
-            </a:prstGeom>
-            <a:solidFill>
-              <a:schemeClr val="accent1">
-                <a:lumMod val="40000"/>
-                <a:lumOff val="60000"/>
-                <a:alpha val="50000"/>
-              </a:schemeClr>
-            </a:solidFill>
-          </p:spPr>
-          <p:txBody>
-            <a:bodyPr wrap="square" rtlCol="0">
-              <a:spAutoFit/>
-            </a:bodyPr>
-            <a:lstStyle>
-              <a:defPPr>
-                <a:defRPr lang="es-ES"/>
-              </a:defPPr>
-              <a:lvl1pPr algn="ctr">
-                <a:defRPr sz="1000"/>
-              </a:lvl1pPr>
-            </a:lstStyle>
-            <a:p>
-              <a:r>
-                <a:rPr lang="es-ES" dirty="0"/>
-                <a:t>Estado</a:t>
-              </a:r>
-            </a:p>
-          </p:txBody>
-        </p:sp>
-        <p:sp>
-          <p:nvSpPr>
-            <p:cNvPr id="16" name="Flecha: hacia la izquierda 15">
-              <a:extLst>
-                <a:ext uri="{FF2B5EF4-FFF2-40B4-BE49-F238E27FC236}">
-                  <a16:creationId xmlns:a16="http://schemas.microsoft.com/office/drawing/2014/main" id="{2C1F0A7D-B83B-C395-CE91-794FB600DCBA}"/>
-                </a:ext>
-              </a:extLst>
-            </p:cNvPr>
-            <p:cNvSpPr/>
-            <p:nvPr/>
-          </p:nvSpPr>
-          <p:spPr>
-            <a:xfrm>
-              <a:off x="4713981" y="4229100"/>
-              <a:ext cx="2588586" cy="228875"/>
-            </a:xfrm>
-            <a:prstGeom prst="leftArrow">
-              <a:avLst/>
-            </a:prstGeom>
-          </p:spPr>
-          <p:style>
-            <a:lnRef idx="2">
-              <a:schemeClr val="accent1">
-                <a:shade val="50000"/>
-              </a:schemeClr>
-            </a:lnRef>
-            <a:fillRef idx="1">
-              <a:schemeClr val="accent1"/>
-            </a:fillRef>
-            <a:effectRef idx="0">
-              <a:schemeClr val="accent1"/>
-            </a:effectRef>
-            <a:fontRef idx="minor">
-              <a:schemeClr val="lt1"/>
-            </a:fontRef>
-          </p:style>
-          <p:txBody>
-            <a:bodyPr rtlCol="0" anchor="ctr"/>
-            <a:lstStyle/>
-            <a:p>
-              <a:pPr algn="ctr"/>
-              <a:endParaRPr lang="es-ES"/>
-            </a:p>
-          </p:txBody>
-        </p:sp>
-        <p:sp>
-          <p:nvSpPr>
-            <p:cNvPr id="17" name="CuadroTexto 16">
-              <a:extLst>
-                <a:ext uri="{FF2B5EF4-FFF2-40B4-BE49-F238E27FC236}">
-                  <a16:creationId xmlns:a16="http://schemas.microsoft.com/office/drawing/2014/main" id="{B0692FE8-B63C-C767-2EF2-407B0A9F4A70}"/>
-                </a:ext>
-              </a:extLst>
-            </p:cNvPr>
-            <p:cNvSpPr txBox="1"/>
-            <p:nvPr/>
-          </p:nvSpPr>
-          <p:spPr>
-            <a:xfrm>
-              <a:off x="5010065" y="3794784"/>
-              <a:ext cx="1787226" cy="463328"/>
-            </a:xfrm>
-            <a:prstGeom prst="rect">
-              <a:avLst/>
-            </a:prstGeom>
-            <a:solidFill>
-              <a:schemeClr val="accent1">
-                <a:lumMod val="40000"/>
-                <a:lumOff val="60000"/>
-                <a:alpha val="50000"/>
-              </a:schemeClr>
-            </a:solidFill>
-          </p:spPr>
-          <p:txBody>
-            <a:bodyPr wrap="square" rtlCol="0">
-              <a:spAutoFit/>
-            </a:bodyPr>
-            <a:lstStyle>
-              <a:defPPr>
-                <a:defRPr lang="es-ES"/>
-              </a:defPPr>
-              <a:lvl1pPr algn="ctr">
-                <a:defRPr sz="1000"/>
-              </a:lvl1pPr>
-            </a:lstStyle>
-            <a:p>
-              <a:r>
-                <a:rPr lang="es-ES" dirty="0"/>
-                <a:t>Recompensa</a:t>
-              </a:r>
-            </a:p>
-          </p:txBody>
-        </p:sp>
-      </p:grpSp>
       <p:sp>
         <p:nvSpPr>
           <p:cNvPr id="19" name="CuadroTexto 18">
@@ -19940,6 +19620,53 @@
           </a:p>
         </p:txBody>
       </p:sp>
+      <p:pic>
+        <p:nvPicPr>
+          <p:cNvPr id="2050" name="Picture 2">
+            <a:extLst>
+              <a:ext uri="{FF2B5EF4-FFF2-40B4-BE49-F238E27FC236}">
+                <a16:creationId xmlns:a16="http://schemas.microsoft.com/office/drawing/2014/main" id="{CAE7F05C-619B-C855-0FAE-DC239BDBA909}"/>
+              </a:ext>
+            </a:extLst>
+          </p:cNvPr>
+          <p:cNvPicPr>
+            <a:picLocks noChangeAspect="1" noChangeArrowheads="1"/>
+          </p:cNvPicPr>
+          <p:nvPr/>
+        </p:nvPicPr>
+        <p:blipFill>
+          <a:blip r:embed="rId4">
+            <a:extLst>
+              <a:ext uri="{28A0092B-C50C-407E-A947-70E740481C1C}">
+                <a14:useLocalDpi xmlns:a14="http://schemas.microsoft.com/office/drawing/2010/main" val="0"/>
+              </a:ext>
+            </a:extLst>
+          </a:blip>
+          <a:srcRect/>
+          <a:stretch>
+            <a:fillRect/>
+          </a:stretch>
+        </p:blipFill>
+        <p:spPr bwMode="auto">
+          <a:xfrm>
+            <a:off x="5816209" y="2721401"/>
+            <a:ext cx="4162425" cy="1963153"/>
+          </a:xfrm>
+          <a:prstGeom prst="rect">
+            <a:avLst/>
+          </a:prstGeom>
+          <a:noFill/>
+          <a:extLst>
+            <a:ext uri="{909E8E84-426E-40DD-AFC4-6F175D3DCCD1}">
+              <a14:hiddenFill xmlns:a14="http://schemas.microsoft.com/office/drawing/2010/main">
+                <a:solidFill>
+                  <a:srgbClr val="FFFFFF"/>
+                </a:solidFill>
+              </a14:hiddenFill>
+            </a:ext>
+          </a:extLst>
+        </p:spPr>
+      </p:pic>
     </p:spTree>
     <p:extLst>
       <p:ext uri="{BB962C8B-B14F-4D97-AF65-F5344CB8AC3E}">
@@ -24692,8 +24419,8 @@
           </a:p>
         </p:txBody>
       </p:sp>
-      <mc:AlternateContent xmlns:mc="http://schemas.openxmlformats.org/markup-compatibility/2006">
-        <mc:Choice xmlns:a14="http://schemas.microsoft.com/office/drawing/2010/main" Requires="a14">
+      <mc:AlternateContent xmlns:mc="http://schemas.openxmlformats.org/markup-compatibility/2006" xmlns:a14="http://schemas.microsoft.com/office/drawing/2010/main">
+        <mc:Choice Requires="a14">
           <p:sp>
             <p:nvSpPr>
               <p:cNvPr id="17" name="CuadroTexto 16">
@@ -24873,7 +24600,7 @@
             </p:txBody>
           </p:sp>
         </mc:Choice>
-        <mc:Fallback>
+        <mc:Fallback xmlns="">
           <p:sp>
             <p:nvSpPr>
               <p:cNvPr id="17" name="CuadroTexto 16">
@@ -25883,8 +25610,8 @@
           </a:p>
         </p:txBody>
       </p:sp>
-      <mc:AlternateContent xmlns:mc="http://schemas.openxmlformats.org/markup-compatibility/2006">
-        <mc:Choice xmlns:a14="http://schemas.microsoft.com/office/drawing/2010/main" Requires="a14">
+      <mc:AlternateContent xmlns:mc="http://schemas.openxmlformats.org/markup-compatibility/2006" xmlns:a14="http://schemas.microsoft.com/office/drawing/2010/main">
+        <mc:Choice Requires="a14">
           <p:sp>
             <p:nvSpPr>
               <p:cNvPr id="14" name="CuadroTexto 13">
@@ -25941,7 +25668,7 @@
             </p:txBody>
           </p:sp>
         </mc:Choice>
-        <mc:Fallback>
+        <mc:Fallback xmlns="">
           <p:sp>
             <p:nvSpPr>
               <p:cNvPr id="14" name="CuadroTexto 13">
@@ -25986,8 +25713,8 @@
           </p:sp>
         </mc:Fallback>
       </mc:AlternateContent>
-      <mc:AlternateContent xmlns:mc="http://schemas.openxmlformats.org/markup-compatibility/2006">
-        <mc:Choice xmlns:a14="http://schemas.microsoft.com/office/drawing/2010/main" Requires="a14">
+      <mc:AlternateContent xmlns:mc="http://schemas.openxmlformats.org/markup-compatibility/2006" xmlns:a14="http://schemas.microsoft.com/office/drawing/2010/main">
+        <mc:Choice Requires="a14">
           <p:sp>
             <p:nvSpPr>
               <p:cNvPr id="15" name="CuadroTexto 14">
@@ -26052,7 +25779,7 @@
             </p:txBody>
           </p:sp>
         </mc:Choice>
-        <mc:Fallback>
+        <mc:Fallback xmlns="">
           <p:sp>
             <p:nvSpPr>
               <p:cNvPr id="15" name="CuadroTexto 14">
@@ -29802,8 +29529,8 @@
           </p:sp>
         </mc:Fallback>
       </mc:AlternateContent>
-      <mc:AlternateContent xmlns:mc="http://schemas.openxmlformats.org/markup-compatibility/2006">
-        <mc:Choice xmlns:a14="http://schemas.microsoft.com/office/drawing/2010/main" Requires="a14">
+      <mc:AlternateContent xmlns:mc="http://schemas.openxmlformats.org/markup-compatibility/2006" xmlns:a14="http://schemas.microsoft.com/office/drawing/2010/main">
+        <mc:Choice Requires="a14">
           <p:sp>
             <p:nvSpPr>
               <p:cNvPr id="9" name="CuadroTexto 8">
@@ -30039,7 +29766,7 @@
             </p:txBody>
           </p:sp>
         </mc:Choice>
-        <mc:Fallback>
+        <mc:Fallback xmlns="">
           <p:sp>
             <p:nvSpPr>
               <p:cNvPr id="9" name="CuadroTexto 8">
@@ -30088,6 +29815,378 @@
     <p:extLst>
       <p:ext uri="{BB962C8B-B14F-4D97-AF65-F5344CB8AC3E}">
         <p14:creationId xmlns:p14="http://schemas.microsoft.com/office/powerpoint/2010/main" val="3703256276"/>
+      </p:ext>
+    </p:extLst>
+  </p:cSld>
+  <p:clrMapOvr>
+    <a:masterClrMapping/>
+  </p:clrMapOvr>
+</p:sld>
+</file>
+
+<file path=ppt/slides/slide29.xml><?xml version="1.0" encoding="utf-8"?>
+<p:sld xmlns:a="http://schemas.openxmlformats.org/drawingml/2006/main" xmlns:r="http://schemas.openxmlformats.org/officeDocument/2006/relationships" xmlns:p="http://schemas.openxmlformats.org/presentationml/2006/main">
+  <p:cSld>
+    <p:spTree>
+      <p:nvGrpSpPr>
+        <p:cNvPr id="1" name=""/>
+        <p:cNvGrpSpPr/>
+        <p:nvPr/>
+      </p:nvGrpSpPr>
+      <p:grpSpPr>
+        <a:xfrm>
+          <a:off x="0" y="0"/>
+          <a:ext cx="0" cy="0"/>
+          <a:chOff x="0" y="0"/>
+          <a:chExt cx="0" cy="0"/>
+        </a:xfrm>
+      </p:grpSpPr>
+      <p:sp>
+        <p:nvSpPr>
+          <p:cNvPr id="2" name="Título 1">
+            <a:extLst>
+              <a:ext uri="{FF2B5EF4-FFF2-40B4-BE49-F238E27FC236}">
+                <a16:creationId xmlns:a16="http://schemas.microsoft.com/office/drawing/2014/main" id="{951235A3-6CFC-DA6B-F247-0C274332F9BA}"/>
+              </a:ext>
+            </a:extLst>
+          </p:cNvPr>
+          <p:cNvSpPr>
+            <a:spLocks noGrp="1"/>
+          </p:cNvSpPr>
+          <p:nvPr>
+            <p:ph type="title"/>
+          </p:nvPr>
+        </p:nvSpPr>
+        <p:spPr>
+          <a:xfrm>
+            <a:off x="613520" y="834268"/>
+            <a:ext cx="10380573" cy="1432273"/>
+          </a:xfrm>
+        </p:spPr>
+        <p:txBody>
+          <a:bodyPr vert="horz" lIns="91440" tIns="45720" rIns="91440" bIns="45720" rtlCol="0" anchor="ctr">
+            <a:normAutofit/>
+          </a:bodyPr>
+          <a:lstStyle/>
+          <a:p>
+            <a:pPr algn="ctr"/>
+            <a:r>
+              <a:rPr lang="es-ES" dirty="0">
+                <a:effectLst>
+                  <a:outerShdw blurRad="38100" dist="38100" dir="2700000" algn="tl">
+                    <a:srgbClr val="000000">
+                      <a:alpha val="43137"/>
+                    </a:srgbClr>
+                  </a:outerShdw>
+                </a:effectLst>
+              </a:rPr>
+              <a:t>Bibliografía</a:t>
+            </a:r>
+          </a:p>
+        </p:txBody>
+      </p:sp>
+      <p:sp>
+        <p:nvSpPr>
+          <p:cNvPr id="4" name="Marcador de número de diapositiva 3">
+            <a:extLst>
+              <a:ext uri="{FF2B5EF4-FFF2-40B4-BE49-F238E27FC236}">
+                <a16:creationId xmlns:a16="http://schemas.microsoft.com/office/drawing/2014/main" id="{A1CD1553-2E11-8F10-F6BD-E79CDDF790B3}"/>
+              </a:ext>
+            </a:extLst>
+          </p:cNvPr>
+          <p:cNvSpPr>
+            <a:spLocks noGrp="1"/>
+          </p:cNvSpPr>
+          <p:nvPr>
+            <p:ph type="sldNum" sz="quarter" idx="12"/>
+          </p:nvPr>
+        </p:nvSpPr>
+        <p:spPr/>
+        <p:txBody>
+          <a:bodyPr/>
+          <a:lstStyle/>
+          <a:p>
+            <a:fld id="{B4A918BC-4D43-4B42-B3C0-E7EBE25E6AF0}" type="slidenum">
+              <a:rPr lang="en-US" smtClean="0"/>
+              <a:t>29</a:t>
+            </a:fld>
+            <a:endParaRPr lang="en-US"/>
+          </a:p>
+        </p:txBody>
+      </p:sp>
+      <p:sp>
+        <p:nvSpPr>
+          <p:cNvPr id="5" name="Marcador de pie de página 3">
+            <a:extLst>
+              <a:ext uri="{FF2B5EF4-FFF2-40B4-BE49-F238E27FC236}">
+                <a16:creationId xmlns:a16="http://schemas.microsoft.com/office/drawing/2014/main" id="{82424DF2-2EC9-8D94-DC2B-33CC0F776AA5}"/>
+              </a:ext>
+            </a:extLst>
+          </p:cNvPr>
+          <p:cNvSpPr>
+            <a:spLocks noGrp="1"/>
+          </p:cNvSpPr>
+          <p:nvPr>
+            <p:ph type="ftr" sz="quarter" idx="11"/>
+          </p:nvPr>
+        </p:nvSpPr>
+        <p:spPr>
+          <a:xfrm>
+            <a:off x="332481" y="259544"/>
+            <a:ext cx="10957301" cy="365125"/>
+          </a:xfrm>
+        </p:spPr>
+        <p:txBody>
+          <a:bodyPr/>
+          <a:lstStyle/>
+          <a:p>
+            <a:r>
+              <a:rPr lang="es-ES" dirty="0"/>
+              <a:t>Alberto F. Merchán     			         Grado en Ingeniería Informática (Universidad de Huelva)   </a:t>
+            </a:r>
+            <a:endParaRPr lang="en-US" dirty="0"/>
+          </a:p>
+        </p:txBody>
+      </p:sp>
+      <p:pic>
+        <p:nvPicPr>
+          <p:cNvPr id="6" name="Imagen 5" descr="Imagen que contiene Logotipo&#10;&#10;Descripción generada automáticamente">
+            <a:extLst>
+              <a:ext uri="{FF2B5EF4-FFF2-40B4-BE49-F238E27FC236}">
+                <a16:creationId xmlns:a16="http://schemas.microsoft.com/office/drawing/2014/main" id="{5A508197-C8AA-000B-EB0D-ADB028573E23}"/>
+              </a:ext>
+            </a:extLst>
+          </p:cNvPr>
+          <p:cNvPicPr>
+            <a:picLocks noChangeAspect="1"/>
+          </p:cNvPicPr>
+          <p:nvPr/>
+        </p:nvPicPr>
+        <p:blipFill>
+          <a:blip r:embed="rId3">
+            <a:extLst>
+              <a:ext uri="{28A0092B-C50C-407E-A947-70E740481C1C}">
+                <a14:useLocalDpi xmlns:a14="http://schemas.microsoft.com/office/drawing/2010/main" val="0"/>
+              </a:ext>
+            </a:extLst>
+          </a:blip>
+          <a:stretch>
+            <a:fillRect/>
+          </a:stretch>
+        </p:blipFill>
+        <p:spPr>
+          <a:xfrm>
+            <a:off x="10782765" y="202013"/>
+            <a:ext cx="422656" cy="422656"/>
+          </a:xfrm>
+          <a:prstGeom prst="rect">
+            <a:avLst/>
+          </a:prstGeom>
+        </p:spPr>
+      </p:pic>
+      <p:sp>
+        <p:nvSpPr>
+          <p:cNvPr id="11" name="CuadroTexto 10">
+            <a:extLst>
+              <a:ext uri="{FF2B5EF4-FFF2-40B4-BE49-F238E27FC236}">
+                <a16:creationId xmlns:a16="http://schemas.microsoft.com/office/drawing/2014/main" id="{E3C2F007-687B-AC79-915B-84C21BA33855}"/>
+              </a:ext>
+            </a:extLst>
+          </p:cNvPr>
+          <p:cNvSpPr txBox="1"/>
+          <p:nvPr/>
+        </p:nvSpPr>
+        <p:spPr>
+          <a:xfrm>
+            <a:off x="613519" y="2859399"/>
+            <a:ext cx="9930655" cy="2308324"/>
+          </a:xfrm>
+          <a:prstGeom prst="rect">
+            <a:avLst/>
+          </a:prstGeom>
+          <a:noFill/>
+        </p:spPr>
+        <p:txBody>
+          <a:bodyPr wrap="square">
+            <a:spAutoFit/>
+          </a:bodyPr>
+          <a:lstStyle/>
+          <a:p>
+            <a:pPr marL="285750" indent="-285750">
+              <a:buFont typeface="Arial" panose="020B0604020202020204" pitchFamily="34" charset="0"/>
+              <a:buChar char="•"/>
+            </a:pPr>
+            <a:r>
+              <a:rPr lang="es-ES" b="1" dirty="0" err="1"/>
+              <a:t>Reinforcement</a:t>
+            </a:r>
+            <a:r>
+              <a:rPr lang="es-ES" b="1" dirty="0"/>
+              <a:t> </a:t>
+            </a:r>
+            <a:r>
+              <a:rPr lang="es-ES" b="1" dirty="0" err="1"/>
+              <a:t>Learning</a:t>
+            </a:r>
+            <a:r>
+              <a:rPr lang="es-ES" b="1" dirty="0"/>
+              <a:t>: </a:t>
+            </a:r>
+            <a:r>
+              <a:rPr lang="es-ES" b="1" dirty="0" err="1"/>
+              <a:t>An</a:t>
+            </a:r>
+            <a:r>
+              <a:rPr lang="es-ES" b="1" dirty="0"/>
+              <a:t> </a:t>
+            </a:r>
+            <a:r>
+              <a:rPr lang="es-ES" b="1" dirty="0" err="1"/>
+              <a:t>Introduction</a:t>
+            </a:r>
+            <a:r>
+              <a:rPr lang="es-ES" dirty="0"/>
+              <a:t>. </a:t>
+            </a:r>
+            <a:r>
+              <a:rPr lang="en-US" dirty="0"/>
+              <a:t>Richard S. Sutton and Andrew G. </a:t>
+            </a:r>
+            <a:r>
+              <a:rPr lang="en-US" dirty="0" err="1"/>
+              <a:t>Barto</a:t>
+            </a:r>
+            <a:r>
+              <a:rPr lang="en-US" dirty="0"/>
+              <a:t> (</a:t>
+            </a:r>
+            <a:r>
+              <a:rPr lang="es-ES" dirty="0"/>
+              <a:t>2014, 2015) url: </a:t>
+            </a:r>
+            <a:r>
+              <a:rPr lang="es-ES" dirty="0">
+                <a:hlinkClick r:id="rId4"/>
+              </a:rPr>
+              <a:t>https://web.stanford.edu/class/psych209/Readings/SuttonBartoIPRLBook2ndEd.pdf</a:t>
+            </a:r>
+            <a:endParaRPr lang="es-ES" dirty="0"/>
+          </a:p>
+          <a:p>
+            <a:r>
+              <a:rPr lang="es-ES" dirty="0"/>
+              <a:t> </a:t>
+            </a:r>
+          </a:p>
+          <a:p>
+            <a:pPr marL="285750" indent="-285750">
+              <a:buFont typeface="Arial" panose="020B0604020202020204" pitchFamily="34" charset="0"/>
+              <a:buChar char="•"/>
+            </a:pPr>
+            <a:r>
+              <a:rPr lang="en-US" b="1" i="0" dirty="0">
+                <a:effectLst/>
+                <a:latin typeface="-apple-system"/>
+              </a:rPr>
+              <a:t>A (Long) Peek into Reinforcement Learning. </a:t>
+            </a:r>
+            <a:r>
+              <a:rPr lang="en-US" i="0" dirty="0">
+                <a:effectLst/>
+                <a:latin typeface="-apple-system"/>
+              </a:rPr>
+              <a:t>Lilian Weng (19 </a:t>
+            </a:r>
+            <a:r>
+              <a:rPr lang="en-US" i="0" dirty="0" err="1">
+                <a:effectLst/>
+                <a:latin typeface="-apple-system"/>
+              </a:rPr>
+              <a:t>febrero</a:t>
+            </a:r>
+            <a:r>
+              <a:rPr lang="en-US" i="0" dirty="0">
+                <a:effectLst/>
+                <a:latin typeface="-apple-system"/>
+              </a:rPr>
+              <a:t> 2018) </a:t>
+            </a:r>
+          </a:p>
+          <a:p>
+            <a:r>
+              <a:rPr lang="en-US" dirty="0">
+                <a:latin typeface="-apple-system"/>
+              </a:rPr>
+              <a:t>	</a:t>
+            </a:r>
+            <a:r>
+              <a:rPr lang="en-US" i="0" dirty="0">
+                <a:effectLst/>
+                <a:latin typeface="-apple-system"/>
+              </a:rPr>
+              <a:t>url: </a:t>
+            </a:r>
+            <a:r>
+              <a:rPr lang="es-ES" dirty="0">
+                <a:hlinkClick r:id="rId5"/>
+              </a:rPr>
+              <a:t>https://lilianweng.github.io/posts/2018-02-19-rl-overview/</a:t>
+            </a:r>
+            <a:r>
+              <a:rPr lang="es-ES" dirty="0"/>
+              <a:t> </a:t>
+            </a:r>
+          </a:p>
+          <a:p>
+            <a:pPr marL="285750" indent="-285750">
+              <a:buFont typeface="Arial" panose="020B0604020202020204" pitchFamily="34" charset="0"/>
+              <a:buChar char="•"/>
+            </a:pPr>
+            <a:endParaRPr lang="es-ES" b="1" dirty="0"/>
+          </a:p>
+          <a:p>
+            <a:pPr marL="285750" indent="-285750">
+              <a:buFont typeface="Arial" panose="020B0604020202020204" pitchFamily="34" charset="0"/>
+              <a:buChar char="•"/>
+            </a:pPr>
+            <a:r>
+              <a:rPr lang="es-ES" b="1" dirty="0"/>
+              <a:t>Aprendizaje por Refuerzo Elementos básicos y algoritmos. </a:t>
+            </a:r>
+            <a:r>
+              <a:rPr lang="es-ES" dirty="0" err="1"/>
+              <a:t>Lorién</a:t>
+            </a:r>
+            <a:r>
+              <a:rPr lang="es-ES" dirty="0"/>
+              <a:t> </a:t>
+            </a:r>
+            <a:r>
+              <a:rPr lang="es-ES" dirty="0" err="1"/>
+              <a:t>Lascorz</a:t>
+            </a:r>
+            <a:r>
+              <a:rPr lang="es-ES" dirty="0"/>
+              <a:t> Lozano. url: </a:t>
+            </a:r>
+            <a:r>
+              <a:rPr lang="es-ES" dirty="0">
+                <a:hlinkClick r:id="rId6"/>
+              </a:rPr>
+              <a:t>https://core.ac.uk/download/pdf/289996907.pdf</a:t>
+            </a:r>
+            <a:r>
+              <a:rPr lang="es-ES" dirty="0"/>
+              <a:t> </a:t>
+            </a:r>
+            <a:endParaRPr lang="es-ES" b="1" dirty="0"/>
+          </a:p>
+        </p:txBody>
+      </p:sp>
+    </p:spTree>
+    <p:extLst>
+      <p:ext uri="{BB962C8B-B14F-4D97-AF65-F5344CB8AC3E}">
+        <p14:creationId xmlns:p14="http://schemas.microsoft.com/office/powerpoint/2010/main" val="4159250146"/>
       </p:ext>
     </p:extLst>
   </p:cSld>

--- a/1º Cuatrimestre/[AA] Aprendizaje Automático/Aprendizaje por Refuerzo/Aprendizaje_por_Refuerzo.pptx
+++ b/1º Cuatrimestre/[AA] Aprendizaje Automático/Aprendizaje por Refuerzo/Aprendizaje_por_Refuerzo.pptx
@@ -146,7 +146,7 @@
 <file path=ppt/revisionInfo.xml><?xml version="1.0" encoding="utf-8"?>
 <p1510:revInfo xmlns:a="http://schemas.openxmlformats.org/drawingml/2006/main" xmlns:r="http://schemas.openxmlformats.org/officeDocument/2006/relationships" xmlns:p1510="http://schemas.microsoft.com/office/powerpoint/2015/10/main">
   <p1510:revLst>
-    <p1510:client id="{966DFC1B-1CA3-4EBB-BDB0-1092BA445A15}" v="1673" dt="2022-11-21T09:48:05.535"/>
+    <p1510:client id="{966DFC1B-1CA3-4EBB-BDB0-1092BA445A15}" v="1676" dt="2022-11-21T21:24:33.441"/>
   </p1510:revLst>
 </p1510:revInfo>
 </file>
@@ -155,8 +155,8 @@
 <pc:chgInfo xmlns:a="http://schemas.openxmlformats.org/drawingml/2006/main" xmlns:r="http://schemas.openxmlformats.org/officeDocument/2006/relationships" xmlns:ac="http://schemas.microsoft.com/office/drawing/2013/main/command" xmlns:pc="http://schemas.microsoft.com/office/powerpoint/2013/main/command">
   <pc:docChgLst>
     <pc:chgData name="Alberto" userId="78a84c73-f82a-4350-bcdb-9d3ec95123ac" providerId="ADAL" clId="{966DFC1B-1CA3-4EBB-BDB0-1092BA445A15}"/>
-    <pc:docChg chg="undo custSel addSld delSld modSld sldOrd addMainMaster delMainMaster addSection delSection">
-      <pc:chgData name="Alberto" userId="78a84c73-f82a-4350-bcdb-9d3ec95123ac" providerId="ADAL" clId="{966DFC1B-1CA3-4EBB-BDB0-1092BA445A15}" dt="2022-11-21T09:53:59.327" v="9603" actId="20577"/>
+    <pc:docChg chg="undo redo custSel addSld delSld modSld sldOrd addMainMaster delMainMaster addSection delSection">
+      <pc:chgData name="Alberto" userId="78a84c73-f82a-4350-bcdb-9d3ec95123ac" providerId="ADAL" clId="{966DFC1B-1CA3-4EBB-BDB0-1092BA445A15}" dt="2022-11-21T21:32:05.480" v="10245" actId="20577"/>
       <pc:docMkLst>
         <pc:docMk/>
       </pc:docMkLst>
@@ -911,7 +911,7 @@
         </pc:picChg>
       </pc:sldChg>
       <pc:sldChg chg="addSp delSp modSp add mod modNotesTx">
-        <pc:chgData name="Alberto" userId="78a84c73-f82a-4350-bcdb-9d3ec95123ac" providerId="ADAL" clId="{966DFC1B-1CA3-4EBB-BDB0-1092BA445A15}" dt="2022-11-18T17:51:38.768" v="9187"/>
+        <pc:chgData name="Alberto" userId="78a84c73-f82a-4350-bcdb-9d3ec95123ac" providerId="ADAL" clId="{966DFC1B-1CA3-4EBB-BDB0-1092BA445A15}" dt="2022-11-21T21:02:49.016" v="9995" actId="313"/>
         <pc:sldMkLst>
           <pc:docMk/>
           <pc:sldMk cId="1338140537" sldId="258"/>
@@ -1307,7 +1307,7 @@
         </pc:picChg>
       </pc:sldChg>
       <pc:sldChg chg="addSp delSp modSp add mod ord modNotesTx">
-        <pc:chgData name="Alberto" userId="78a84c73-f82a-4350-bcdb-9d3ec95123ac" providerId="ADAL" clId="{966DFC1B-1CA3-4EBB-BDB0-1092BA445A15}" dt="2022-11-21T09:48:29.070" v="9489" actId="20577"/>
+        <pc:chgData name="Alberto" userId="78a84c73-f82a-4350-bcdb-9d3ec95123ac" providerId="ADAL" clId="{966DFC1B-1CA3-4EBB-BDB0-1092BA445A15}" dt="2022-11-21T21:13:38.764" v="10003" actId="20577"/>
         <pc:sldMkLst>
           <pc:docMk/>
           <pc:sldMk cId="1988549627" sldId="261"/>
@@ -1519,7 +1519,7 @@
         </pc:picChg>
       </pc:sldChg>
       <pc:sldChg chg="addSp modSp add mod modNotesTx">
-        <pc:chgData name="Alberto" userId="78a84c73-f82a-4350-bcdb-9d3ec95123ac" providerId="ADAL" clId="{966DFC1B-1CA3-4EBB-BDB0-1092BA445A15}" dt="2022-11-18T18:39:51.181" v="9266" actId="20577"/>
+        <pc:chgData name="Alberto" userId="78a84c73-f82a-4350-bcdb-9d3ec95123ac" providerId="ADAL" clId="{966DFC1B-1CA3-4EBB-BDB0-1092BA445A15}" dt="2022-11-21T20:44:35.797" v="9806" actId="20577"/>
         <pc:sldMkLst>
           <pc:docMk/>
           <pc:sldMk cId="656885059" sldId="264"/>
@@ -1626,7 +1626,7 @@
         </pc:spChg>
       </pc:sldChg>
       <pc:sldChg chg="addSp delSp modSp add mod modNotesTx">
-        <pc:chgData name="Alberto" userId="78a84c73-f82a-4350-bcdb-9d3ec95123ac" providerId="ADAL" clId="{966DFC1B-1CA3-4EBB-BDB0-1092BA445A15}" dt="2022-11-21T09:50:09.270" v="9573" actId="20577"/>
+        <pc:chgData name="Alberto" userId="78a84c73-f82a-4350-bcdb-9d3ec95123ac" providerId="ADAL" clId="{966DFC1B-1CA3-4EBB-BDB0-1092BA445A15}" dt="2022-11-21T21:01:40.315" v="9964" actId="20577"/>
         <pc:sldMkLst>
           <pc:docMk/>
           <pc:sldMk cId="2273395666" sldId="269"/>
@@ -1729,7 +1729,7 @@
         </pc:cxnChg>
       </pc:sldChg>
       <pc:sldChg chg="addSp delSp modSp add mod modNotesTx">
-        <pc:chgData name="Alberto" userId="78a84c73-f82a-4350-bcdb-9d3ec95123ac" providerId="ADAL" clId="{966DFC1B-1CA3-4EBB-BDB0-1092BA445A15}" dt="2022-11-21T09:50:56.033" v="9595" actId="20577"/>
+        <pc:chgData name="Alberto" userId="78a84c73-f82a-4350-bcdb-9d3ec95123ac" providerId="ADAL" clId="{966DFC1B-1CA3-4EBB-BDB0-1092BA445A15}" dt="2022-11-21T21:00:59.096" v="9935" actId="113"/>
         <pc:sldMkLst>
           <pc:docMk/>
           <pc:sldMk cId="994924442" sldId="270"/>
@@ -1808,7 +1808,7 @@
         </pc:spChg>
       </pc:sldChg>
       <pc:sldChg chg="addSp delSp modSp add mod modNotesTx">
-        <pc:chgData name="Alberto" userId="78a84c73-f82a-4350-bcdb-9d3ec95123ac" providerId="ADAL" clId="{966DFC1B-1CA3-4EBB-BDB0-1092BA445A15}" dt="2022-11-18T17:53:29.815" v="9192"/>
+        <pc:chgData name="Alberto" userId="78a84c73-f82a-4350-bcdb-9d3ec95123ac" providerId="ADAL" clId="{966DFC1B-1CA3-4EBB-BDB0-1092BA445A15}" dt="2022-11-21T21:00:13.146" v="9899" actId="20577"/>
         <pc:sldMkLst>
           <pc:docMk/>
           <pc:sldMk cId="3876214298" sldId="271"/>
@@ -1932,7 +1932,7 @@
         </pc:spChg>
       </pc:sldChg>
       <pc:sldChg chg="addSp delSp modSp add mod ord modNotesTx">
-        <pc:chgData name="Alberto" userId="78a84c73-f82a-4350-bcdb-9d3ec95123ac" providerId="ADAL" clId="{966DFC1B-1CA3-4EBB-BDB0-1092BA445A15}" dt="2022-11-21T09:34:21.222" v="9398" actId="478"/>
+        <pc:chgData name="Alberto" userId="78a84c73-f82a-4350-bcdb-9d3ec95123ac" providerId="ADAL" clId="{966DFC1B-1CA3-4EBB-BDB0-1092BA445A15}" dt="2022-11-21T21:26:08.475" v="10197" actId="20577"/>
         <pc:sldMkLst>
           <pc:docMk/>
           <pc:sldMk cId="196312947" sldId="275"/>
@@ -2067,7 +2067,7 @@
         </pc:cxnChg>
       </pc:sldChg>
       <pc:sldChg chg="addSp modSp add mod modNotesTx">
-        <pc:chgData name="Alberto" userId="78a84c73-f82a-4350-bcdb-9d3ec95123ac" providerId="ADAL" clId="{966DFC1B-1CA3-4EBB-BDB0-1092BA445A15}" dt="2022-11-18T18:00:09.667" v="9210" actId="20577"/>
+        <pc:chgData name="Alberto" userId="78a84c73-f82a-4350-bcdb-9d3ec95123ac" providerId="ADAL" clId="{966DFC1B-1CA3-4EBB-BDB0-1092BA445A15}" dt="2022-11-21T21:05:38.036" v="9996" actId="20577"/>
         <pc:sldMkLst>
           <pc:docMk/>
           <pc:sldMk cId="381548440" sldId="276"/>
@@ -2114,7 +2114,7 @@
         </pc:spChg>
       </pc:sldChg>
       <pc:sldChg chg="addSp modSp add mod modNotesTx">
-        <pc:chgData name="Alberto" userId="78a84c73-f82a-4350-bcdb-9d3ec95123ac" providerId="ADAL" clId="{966DFC1B-1CA3-4EBB-BDB0-1092BA445A15}" dt="2022-11-18T18:40:33.437" v="9281" actId="20577"/>
+        <pc:chgData name="Alberto" userId="78a84c73-f82a-4350-bcdb-9d3ec95123ac" providerId="ADAL" clId="{966DFC1B-1CA3-4EBB-BDB0-1092BA445A15}" dt="2022-11-21T21:28:21.438" v="10222" actId="6549"/>
         <pc:sldMkLst>
           <pc:docMk/>
           <pc:sldMk cId="2882908580" sldId="277"/>
@@ -2177,7 +2177,7 @@
         </pc:spChg>
       </pc:sldChg>
       <pc:sldChg chg="addSp delSp modSp add mod modNotesTx">
-        <pc:chgData name="Alberto" userId="78a84c73-f82a-4350-bcdb-9d3ec95123ac" providerId="ADAL" clId="{966DFC1B-1CA3-4EBB-BDB0-1092BA445A15}" dt="2022-11-21T09:53:59.327" v="9603" actId="20577"/>
+        <pc:chgData name="Alberto" userId="78a84c73-f82a-4350-bcdb-9d3ec95123ac" providerId="ADAL" clId="{966DFC1B-1CA3-4EBB-BDB0-1092BA445A15}" dt="2022-11-21T21:28:44.007" v="10224" actId="20577"/>
         <pc:sldMkLst>
           <pc:docMk/>
           <pc:sldMk cId="4061041451" sldId="278"/>
@@ -2232,7 +2232,7 @@
         </pc:spChg>
       </pc:sldChg>
       <pc:sldChg chg="addSp delSp modSp add mod modNotesTx">
-        <pc:chgData name="Alberto" userId="78a84c73-f82a-4350-bcdb-9d3ec95123ac" providerId="ADAL" clId="{966DFC1B-1CA3-4EBB-BDB0-1092BA445A15}" dt="2022-11-18T18:01:16.608" v="9213"/>
+        <pc:chgData name="Alberto" userId="78a84c73-f82a-4350-bcdb-9d3ec95123ac" providerId="ADAL" clId="{966DFC1B-1CA3-4EBB-BDB0-1092BA445A15}" dt="2022-11-21T20:45:40.186" v="9807" actId="20577"/>
         <pc:sldMkLst>
           <pc:docMk/>
           <pc:sldMk cId="3284478997" sldId="279"/>
@@ -2459,7 +2459,7 @@
         </pc:spChg>
       </pc:sldChg>
       <pc:sldChg chg="addSp modSp add mod modNotesTx">
-        <pc:chgData name="Alberto" userId="78a84c73-f82a-4350-bcdb-9d3ec95123ac" providerId="ADAL" clId="{966DFC1B-1CA3-4EBB-BDB0-1092BA445A15}" dt="2022-11-18T18:03:40.062" v="9227" actId="20577"/>
+        <pc:chgData name="Alberto" userId="78a84c73-f82a-4350-bcdb-9d3ec95123ac" providerId="ADAL" clId="{966DFC1B-1CA3-4EBB-BDB0-1092BA445A15}" dt="2022-11-21T21:12:46.486" v="9998" actId="20577"/>
         <pc:sldMkLst>
           <pc:docMk/>
           <pc:sldMk cId="1255931887" sldId="283"/>
@@ -2514,7 +2514,7 @@
         </pc:spChg>
       </pc:sldChg>
       <pc:sldChg chg="addSp delSp modSp add mod modNotesTx">
-        <pc:chgData name="Alberto" userId="78a84c73-f82a-4350-bcdb-9d3ec95123ac" providerId="ADAL" clId="{966DFC1B-1CA3-4EBB-BDB0-1092BA445A15}" dt="2022-11-18T18:03:57.632" v="9228"/>
+        <pc:chgData name="Alberto" userId="78a84c73-f82a-4350-bcdb-9d3ec95123ac" providerId="ADAL" clId="{966DFC1B-1CA3-4EBB-BDB0-1092BA445A15}" dt="2022-11-21T20:47:17.169" v="9811" actId="20577"/>
         <pc:sldMkLst>
           <pc:docMk/>
           <pc:sldMk cId="1461635293" sldId="284"/>
@@ -2569,7 +2569,7 @@
         </pc:spChg>
       </pc:sldChg>
       <pc:sldChg chg="addSp delSp modSp add mod modNotesTx">
-        <pc:chgData name="Alberto" userId="78a84c73-f82a-4350-bcdb-9d3ec95123ac" providerId="ADAL" clId="{966DFC1B-1CA3-4EBB-BDB0-1092BA445A15}" dt="2022-11-18T18:42:40.642" v="9295" actId="20577"/>
+        <pc:chgData name="Alberto" userId="78a84c73-f82a-4350-bcdb-9d3ec95123ac" providerId="ADAL" clId="{966DFC1B-1CA3-4EBB-BDB0-1092BA445A15}" dt="2022-11-21T21:30:20.586" v="10225" actId="20577"/>
         <pc:sldMkLst>
           <pc:docMk/>
           <pc:sldMk cId="1497478876" sldId="285"/>
@@ -2696,7 +2696,7 @@
         </pc:spChg>
       </pc:sldChg>
       <pc:sldChg chg="addSp delSp modSp add mod modNotesTx">
-        <pc:chgData name="Alberto" userId="78a84c73-f82a-4350-bcdb-9d3ec95123ac" providerId="ADAL" clId="{966DFC1B-1CA3-4EBB-BDB0-1092BA445A15}" dt="2022-11-18T18:43:06.005" v="9298" actId="113"/>
+        <pc:chgData name="Alberto" userId="78a84c73-f82a-4350-bcdb-9d3ec95123ac" providerId="ADAL" clId="{966DFC1B-1CA3-4EBB-BDB0-1092BA445A15}" dt="2022-11-21T21:31:04.721" v="10226" actId="20577"/>
         <pc:sldMkLst>
           <pc:docMk/>
           <pc:sldMk cId="2447545265" sldId="286"/>
@@ -2838,7 +2838,7 @@
         </pc:sldMkLst>
       </pc:sldChg>
       <pc:sldChg chg="addSp delSp modSp add mod modNotesTx">
-        <pc:chgData name="Alberto" userId="78a84c73-f82a-4350-bcdb-9d3ec95123ac" providerId="ADAL" clId="{966DFC1B-1CA3-4EBB-BDB0-1092BA445A15}" dt="2022-11-18T18:46:33.384" v="9330" actId="20577"/>
+        <pc:chgData name="Alberto" userId="78a84c73-f82a-4350-bcdb-9d3ec95123ac" providerId="ADAL" clId="{966DFC1B-1CA3-4EBB-BDB0-1092BA445A15}" dt="2022-11-21T21:32:05.480" v="10245" actId="20577"/>
         <pc:sldMkLst>
           <pc:docMk/>
           <pc:sldMk cId="3703256276" sldId="287"/>
@@ -2925,7 +2925,7 @@
         </pc:spChg>
       </pc:sldChg>
       <pc:sldChg chg="addSp delSp modSp add mod modNotesTx">
-        <pc:chgData name="Alberto" userId="78a84c73-f82a-4350-bcdb-9d3ec95123ac" providerId="ADAL" clId="{966DFC1B-1CA3-4EBB-BDB0-1092BA445A15}" dt="2022-11-21T09:48:14.864" v="9488" actId="20577"/>
+        <pc:chgData name="Alberto" userId="78a84c73-f82a-4350-bcdb-9d3ec95123ac" providerId="ADAL" clId="{966DFC1B-1CA3-4EBB-BDB0-1092BA445A15}" dt="2022-11-21T20:49:43.373" v="9877" actId="20577"/>
         <pc:sldMkLst>
           <pc:docMk/>
           <pc:sldMk cId="4159250146" sldId="288"/>
@@ -2971,7 +2971,7 @@
           </ac:spMkLst>
         </pc:spChg>
         <pc:spChg chg="add mod">
-          <ac:chgData name="Alberto" userId="78a84c73-f82a-4350-bcdb-9d3ec95123ac" providerId="ADAL" clId="{966DFC1B-1CA3-4EBB-BDB0-1092BA445A15}" dt="2022-11-21T09:48:14.864" v="9488" actId="20577"/>
+          <ac:chgData name="Alberto" userId="78a84c73-f82a-4350-bcdb-9d3ec95123ac" providerId="ADAL" clId="{966DFC1B-1CA3-4EBB-BDB0-1092BA445A15}" dt="2022-11-21T20:49:43.373" v="9877" actId="20577"/>
           <ac:spMkLst>
             <pc:docMk/>
             <pc:sldMk cId="4159250146" sldId="288"/>
@@ -5229,7 +5229,7 @@
                 <a:ea typeface="Calibri" panose="020F0502020204030204" pitchFamily="34" charset="0"/>
                 <a:cs typeface="Arial" panose="020B0604020202020204" pitchFamily="34" charset="0"/>
               </a:rPr>
-              <a:t>El dilema está en que no se puede utilizar exclusivamente ni la exploración ni la explotación, ya que si lo hiciéramos, el agente fallaría en su tarea. El agente debe favorecer, progresivamente, las acciones que aparentan ser mejores.</a:t>
+              <a:t>El dilema está en que no se puede utilizar exclusivamente ni la exploración ni la explotación, ya que, si lo hiciéramos, el agente fallaría en su tarea. El agente debe favorecer, progresivamente, las acciones que aparentan ser mejores.</a:t>
             </a:r>
           </a:p>
           <a:p>
@@ -5462,10 +5462,8 @@
                 <a:ea typeface="Calibri" panose="020F0502020204030204" pitchFamily="34" charset="0"/>
                 <a:cs typeface="Arial" panose="020B0604020202020204" pitchFamily="34" charset="0"/>
               </a:rPr>
-              <a:t>, que es una función que define el comportamiento del agente en un momento determinado. Convierte los estados percibidos del entorno en acciones que el agente realizará cuando se encuentre en dichos estados. Con la política es suficiente para determinar el comportamiento del agente.</a:t>
-            </a:r>
-          </a:p>
-          <a:p>
+              <a:t>, que es una función que define el comportamiento del agente en un momento determinado. Convierte los estados percibidos del entorno en acciones que el agente realizará cuando se encuentre en dichos estados. </a:t>
+            </a:r>
             <a:endParaRPr lang="es-ES" dirty="0"/>
           </a:p>
         </p:txBody>
@@ -5583,7 +5581,7 @@
                 <a:ea typeface="Calibri" panose="020F0502020204030204" pitchFamily="34" charset="0"/>
                 <a:cs typeface="Arial" panose="020B0604020202020204" pitchFamily="34" charset="0"/>
               </a:rPr>
-              <a:t>, es un valor numérico que el entorno envía al agente en cada estado. Depende de la acción del agente en un instante y del estado en el que se encuentra en dicho instante. El objetivo que tiene el agente es maximizar esta recompensa, sin embargo, el agente no puede alterar el proceso que la otorga, tan solo puede influir a través de sus acciones. La política debe cambiarse si selecciona una acción que ofrece una recompensa baja.	</a:t>
+              <a:t>, es un valor numérico que el entorno envía al agente en cada estado. Depende de la acción del agente en un instante y del estado en el que se encuentra. El objetivo del agente es maximizar esta recompensa, sin embargo, el agente no puede alterar el proceso que la otorga. La política debe cambiarse si selecciona una acción que ofrece una recompensa baja.	</a:t>
             </a:r>
           </a:p>
           <a:p>
@@ -5704,7 +5702,7 @@
                 <a:ea typeface="Calibri" panose="020F0502020204030204" pitchFamily="34" charset="0"/>
                 <a:cs typeface="Arial" panose="020B0604020202020204" pitchFamily="34" charset="0"/>
               </a:rPr>
-              <a:t>, es la cantidad de recompensa total que un agente puede estimar que acumulará en un futuro desde el estado actual. El agente deberá elegir la acción que realizará de forma que maximice el valor a largo plazo y no la recompensa inmediata. </a:t>
+              <a:t>, es la cantidad de recompensa total que un agente puede estimar que acumulará en un futuro desde el estado actual. El agente deberá elegir la acción que realizará de forma que maximice el valor a largo plazo.</a:t>
             </a:r>
             <a:endParaRPr lang="es-ES" dirty="0"/>
           </a:p>
@@ -5832,10 +5830,8 @@
                 <a:ea typeface="Calibri" panose="020F0502020204030204" pitchFamily="34" charset="0"/>
                 <a:cs typeface="Arial" panose="020B0604020202020204" pitchFamily="34" charset="0"/>
               </a:rPr>
-              <a:t> que simula el comportamiento del entorno. Se utiliza para decidir el transcurso de una acción considerando futuras situaciones antes de que las experimente el agente. Existen dos tipos de métodos en aprendizaje por refuerzo: los que están basados en modelos y otro más simples que no lo están.</a:t>
-            </a:r>
-          </a:p>
-          <a:p>
+              <a:t> que simula el comportamiento del entorno. Se utiliza para decidir el transcurso de una acción considerando futuras situaciones antes de que las experimente el agente. </a:t>
+            </a:r>
             <a:endParaRPr lang="es-ES" dirty="0"/>
           </a:p>
         </p:txBody>
@@ -6602,17 +6598,18 @@
                 <a:ea typeface="Calibri" panose="020F0502020204030204" pitchFamily="34" charset="0"/>
                 <a:cs typeface="Arial" panose="020B0604020202020204" pitchFamily="34" charset="0"/>
               </a:rPr>
-              <a:t>’) la probabilidad de que se realice una transición del estado s al estado s’ mediante la acción a. También se puede expresar en términos de probabilidad condicionada (la probabilidad de que </a:t>
-            </a:r>
-            <a:r>
-              <a:rPr lang="es-ES" sz="1800" dirty="0" err="1">
-                <a:effectLst/>
-                <a:latin typeface="Times New Roman" panose="02020603050405020304" pitchFamily="18" charset="0"/>
-                <a:ea typeface="Calibri" panose="020F0502020204030204" pitchFamily="34" charset="0"/>
-                <a:cs typeface="Arial" panose="020B0604020202020204" pitchFamily="34" charset="0"/>
-              </a:rPr>
-              <a:t>transicione</a:t>
-            </a:r>
+              <a:t>’) la probabilidad de que se realice una transición del estado s al estado s’ mediante la acción a.</a:t>
+            </a:r>
+          </a:p>
+          <a:p>
+            <a:endParaRPr lang="es-ES" sz="1800" dirty="0">
+              <a:effectLst/>
+              <a:latin typeface="Times New Roman" panose="02020603050405020304" pitchFamily="18" charset="0"/>
+              <a:ea typeface="Calibri" panose="020F0502020204030204" pitchFamily="34" charset="0"/>
+              <a:cs typeface="Arial" panose="020B0604020202020204" pitchFamily="34" charset="0"/>
+            </a:endParaRPr>
+          </a:p>
+          <a:p>
             <a:r>
               <a:rPr lang="es-ES" sz="1800" dirty="0">
                 <a:effectLst/>
@@ -6620,26 +6617,7 @@
                 <a:ea typeface="Calibri" panose="020F0502020204030204" pitchFamily="34" charset="0"/>
                 <a:cs typeface="Arial" panose="020B0604020202020204" pitchFamily="34" charset="0"/>
               </a:rPr>
-              <a:t> a s’ sabiendo que está en el estado s con la acción a.</a:t>
-            </a:r>
-          </a:p>
-          <a:p>
-            <a:endParaRPr lang="es-ES" sz="1800" dirty="0">
-              <a:effectLst/>
-              <a:latin typeface="Times New Roman" panose="02020603050405020304" pitchFamily="18" charset="0"/>
-              <a:ea typeface="Calibri" panose="020F0502020204030204" pitchFamily="34" charset="0"/>
-              <a:cs typeface="Arial" panose="020B0604020202020204" pitchFamily="34" charset="0"/>
-            </a:endParaRPr>
-          </a:p>
-          <a:p>
-            <a:r>
-              <a:rPr lang="es-ES" sz="1800" dirty="0">
-                <a:effectLst/>
-                <a:latin typeface="Times New Roman" panose="02020603050405020304" pitchFamily="18" charset="0"/>
-                <a:ea typeface="Calibri" panose="020F0502020204030204" pitchFamily="34" charset="0"/>
-                <a:cs typeface="Arial" panose="020B0604020202020204" pitchFamily="34" charset="0"/>
-              </a:rPr>
-              <a:t>Además, cabe destacar que esta distribución cumple con la propiedad de </a:t>
+              <a:t>Además, esta distribución cumple con la propiedad de </a:t>
             </a:r>
             <a:r>
               <a:rPr lang="es-ES" sz="1800" dirty="0" err="1">
@@ -6657,7 +6635,7 @@
                 <a:ea typeface="Calibri" panose="020F0502020204030204" pitchFamily="34" charset="0"/>
                 <a:cs typeface="Arial" panose="020B0604020202020204" pitchFamily="34" charset="0"/>
               </a:rPr>
-              <a:t> que hemos visto anteriormente, es decir, que el agente cambie de estado solo depende del estado actual y de la acción que va a ejecutar.</a:t>
+              <a:t> que hemos visto anteriormente, es decir, que el agente cambie de estado solo dependerá del estado actual y de la acción que va a ejecutar.</a:t>
             </a:r>
             <a:endParaRPr lang="es-ES" dirty="0"/>
           </a:p>
@@ -6767,7 +6745,7 @@
                 <a:ea typeface="Calibri" panose="020F0502020204030204" pitchFamily="34" charset="0"/>
                 <a:cs typeface="Arial" panose="020B0604020202020204" pitchFamily="34" charset="0"/>
               </a:rPr>
-              <a:t>Por último R es el esfuerzo esperado dada una acción desde un estado concreto, donde r_t+1 es una variable aleatoria que corresponde con la recompensa recibida en el instante t+1. </a:t>
+              <a:t>Por último, R es el esfuerzo esperado dada una acción desde un estado concreto, donde r_t+1 es una variable aleatoria que corresponde con la recompensa recibida en el instante t+1. </a:t>
             </a:r>
           </a:p>
           <a:p>
@@ -6870,7 +6848,7 @@
                 <a:ea typeface="Calibri" panose="020F0502020204030204" pitchFamily="34" charset="0"/>
                 <a:cs typeface="Arial" panose="020B0604020202020204" pitchFamily="34" charset="0"/>
               </a:rPr>
-              <a:t>El objetivo del agente es maximizar el refuerzo acumulado a lo largo de su vida. Podemos presentar la recompensa acumulada de varias formas. A continuación se muestran dos de ellas:</a:t>
+              <a:t>El objetivo del agente es maximizar el refuerzo acumulado a lo largo de su vida. Podemos presentar la recompensa acumulada de varias formas:</a:t>
             </a:r>
           </a:p>
           <a:p>
@@ -7057,25 +7035,7 @@
                 <a:ea typeface="Calibri" panose="020F0502020204030204" pitchFamily="34" charset="0"/>
                 <a:cs typeface="Arial" panose="020B0604020202020204" pitchFamily="34" charset="0"/>
               </a:rPr>
-              <a:t>. La política también cumple la propiedad de </a:t>
-            </a:r>
-            <a:r>
-              <a:rPr lang="es-ES" sz="1800" dirty="0" err="1">
-                <a:effectLst/>
-                <a:latin typeface="Times New Roman" panose="02020603050405020304" pitchFamily="18" charset="0"/>
-                <a:ea typeface="Calibri" panose="020F0502020204030204" pitchFamily="34" charset="0"/>
-                <a:cs typeface="Arial" panose="020B0604020202020204" pitchFamily="34" charset="0"/>
-              </a:rPr>
-              <a:t>Markov</a:t>
-            </a:r>
-            <a:r>
-              <a:rPr lang="es-ES" sz="1800" dirty="0">
-                <a:effectLst/>
-                <a:latin typeface="Times New Roman" panose="02020603050405020304" pitchFamily="18" charset="0"/>
-                <a:ea typeface="Calibri" panose="020F0502020204030204" pitchFamily="34" charset="0"/>
-                <a:cs typeface="Arial" panose="020B0604020202020204" pitchFamily="34" charset="0"/>
-              </a:rPr>
-              <a:t>, ya que depende solamente del estado actual y no de los posteriores. Existen dos conceptos importantes a la hora de buscar la optimalidad de la política:</a:t>
+              <a:t>. Existen dos conceptos importantes:</a:t>
             </a:r>
           </a:p>
           <a:p>
@@ -7401,7 +7361,7 @@
                 <a:ea typeface="Calibri" panose="020F0502020204030204" pitchFamily="34" charset="0"/>
                 <a:cs typeface="Arial" panose="020B0604020202020204" pitchFamily="34" charset="0"/>
               </a:rPr>
-              <a:t>Pero nosotros no buscamos cualquier política, buscamos la política óptima que obtendrá los valores más altos posibles. De esta forma tenemos que la función valor-estado óptima será el máximo de todas las funciones valor-estado y lo mismo con las funciones valor-acción óptima.</a:t>
+              <a:t>Pero nosotros no buscamos cualquier política, buscamos la política óptima. De esta forma tenemos que la función valor-estado óptima será el máximo de todas las funciones valor-estado y lo mismo con las funciones valor-acción óptima.</a:t>
             </a:r>
           </a:p>
           <a:p>
@@ -7414,13 +7374,22 @@
               </a:spcAft>
             </a:pPr>
             <a:r>
+              <a:rPr lang="es-ES" sz="1800">
+                <a:effectLst/>
+                <a:latin typeface="Times New Roman" panose="02020603050405020304" pitchFamily="18" charset="0"/>
+                <a:ea typeface="Calibri" panose="020F0502020204030204" pitchFamily="34" charset="0"/>
+                <a:cs typeface="Arial" panose="020B0604020202020204" pitchFamily="34" charset="0"/>
+              </a:rPr>
+              <a:t>Así, sacamos </a:t>
+            </a:r>
+            <a:r>
               <a:rPr lang="es-ES" sz="1800" dirty="0">
                 <a:effectLst/>
                 <a:latin typeface="Times New Roman" panose="02020603050405020304" pitchFamily="18" charset="0"/>
                 <a:ea typeface="Calibri" panose="020F0502020204030204" pitchFamily="34" charset="0"/>
                 <a:cs typeface="Arial" panose="020B0604020202020204" pitchFamily="34" charset="0"/>
               </a:rPr>
-              <a:t>De esta forma sacamos las </a:t>
+              <a:t>las </a:t>
             </a:r>
             <a:r>
               <a:rPr lang="es-ES" sz="1800" b="1" dirty="0">
@@ -7449,100 +7418,6 @@
               </a:rPr>
               <a:t> , que, resolviéndolas, nos garantizan encontrar la política óptima que debe seguir nuestro agente en cada instante.</a:t>
             </a:r>
-          </a:p>
-          <a:p>
-            <a:pPr algn="just">
-              <a:lnSpc>
-                <a:spcPct val="107000"/>
-              </a:lnSpc>
-              <a:spcAft>
-                <a:spcPts val="800"/>
-              </a:spcAft>
-            </a:pPr>
-            <a:endParaRPr lang="es-ES" sz="1800" dirty="0">
-              <a:effectLst/>
-              <a:latin typeface="Times New Roman" panose="02020603050405020304" pitchFamily="18" charset="0"/>
-              <a:ea typeface="Calibri" panose="020F0502020204030204" pitchFamily="34" charset="0"/>
-              <a:cs typeface="Arial" panose="020B0604020202020204" pitchFamily="34" charset="0"/>
-            </a:endParaRPr>
-          </a:p>
-          <a:p>
-            <a:pPr algn="just">
-              <a:lnSpc>
-                <a:spcPct val="107000"/>
-              </a:lnSpc>
-              <a:spcAft>
-                <a:spcPts val="800"/>
-              </a:spcAft>
-            </a:pPr>
-            <a:endParaRPr lang="es-ES" sz="1800" dirty="0">
-              <a:effectLst/>
-              <a:latin typeface="Times New Roman" panose="02020603050405020304" pitchFamily="18" charset="0"/>
-              <a:ea typeface="Calibri" panose="020F0502020204030204" pitchFamily="34" charset="0"/>
-              <a:cs typeface="Arial" panose="020B0604020202020204" pitchFamily="34" charset="0"/>
-            </a:endParaRPr>
-          </a:p>
-          <a:p>
-            <a:pPr marL="0" marR="0" lvl="0" indent="0" algn="just" defTabSz="914400" rtl="0" eaLnBrk="1" fontAlgn="auto" latinLnBrk="0" hangingPunct="1">
-              <a:lnSpc>
-                <a:spcPct val="107000"/>
-              </a:lnSpc>
-              <a:spcBef>
-                <a:spcPts val="0"/>
-              </a:spcBef>
-              <a:spcAft>
-                <a:spcPts val="800"/>
-              </a:spcAft>
-              <a:buClrTx/>
-              <a:buSzTx/>
-              <a:buFontTx/>
-              <a:buNone/>
-              <a:tabLst/>
-              <a:defRPr/>
-            </a:pPr>
-            <a:r>
-              <a:rPr lang="es-ES" sz="1800" dirty="0">
-                <a:effectLst/>
-                <a:latin typeface="Times New Roman" panose="02020603050405020304" pitchFamily="18" charset="0"/>
-                <a:ea typeface="Calibri" panose="020F0502020204030204" pitchFamily="34" charset="0"/>
-                <a:cs typeface="Arial" panose="020B0604020202020204" pitchFamily="34" charset="0"/>
-              </a:rPr>
-              <a:t>Esta última ecuación permite encontrar la política óptima si se conocen los valores óptimos de la función Q. La asociación adecuada de la acción a cada estado será la acción que haga máximo el valor </a:t>
-            </a:r>
-            <a:r>
-              <a:rPr lang="es-ES" sz="1800">
-                <a:effectLst/>
-                <a:latin typeface="Times New Roman" panose="02020603050405020304" pitchFamily="18" charset="0"/>
-                <a:ea typeface="Calibri" panose="020F0502020204030204" pitchFamily="34" charset="0"/>
-                <a:cs typeface="Arial" panose="020B0604020202020204" pitchFamily="34" charset="0"/>
-              </a:rPr>
-              <a:t>de esa función</a:t>
-            </a:r>
-            <a:endParaRPr lang="es-ES" sz="1800" dirty="0">
-              <a:effectLst/>
-              <a:latin typeface="Times New Roman" panose="02020603050405020304" pitchFamily="18" charset="0"/>
-              <a:ea typeface="Calibri" panose="020F0502020204030204" pitchFamily="34" charset="0"/>
-              <a:cs typeface="Arial" panose="020B0604020202020204" pitchFamily="34" charset="0"/>
-            </a:endParaRPr>
-          </a:p>
-          <a:p>
-            <a:pPr algn="just">
-              <a:lnSpc>
-                <a:spcPct val="107000"/>
-              </a:lnSpc>
-              <a:spcAft>
-                <a:spcPts val="800"/>
-              </a:spcAft>
-            </a:pPr>
-            <a:endParaRPr lang="es-ES" sz="1800" dirty="0">
-              <a:effectLst/>
-              <a:latin typeface="Times New Roman" panose="02020603050405020304" pitchFamily="18" charset="0"/>
-              <a:ea typeface="Calibri" panose="020F0502020204030204" pitchFamily="34" charset="0"/>
-              <a:cs typeface="Arial" panose="020B0604020202020204" pitchFamily="34" charset="0"/>
-            </a:endParaRPr>
-          </a:p>
-          <a:p>
-            <a:endParaRPr lang="es-ES" dirty="0"/>
           </a:p>
         </p:txBody>
       </p:sp>
@@ -7734,7 +7609,7 @@
                 <a:ea typeface="Calibri" panose="020F0502020204030204" pitchFamily="34" charset="0"/>
                 <a:cs typeface="Arial" panose="020B0604020202020204" pitchFamily="34" charset="0"/>
               </a:rPr>
-              <a:t>El aprendizaje por refuerzo, como muchos otros temas en el aprendizaje automático, se inspira en un concepto biológico del mismo nombre. Consiste en aprender mediante la interacción con el entorno recibiendo recompensas (refuerzo positivo) o castigos (refuerzo negativo). </a:t>
+              <a:t>Como muchos otros temas en el aprendizaje automático, se inspira en un concepto biológico del mismo nombre. Consiste en aprender mediante la interacción con el entorno recibiendo recompensas o castigos. </a:t>
             </a:r>
             <a:endParaRPr lang="es-ES" dirty="0"/>
           </a:p>
@@ -7844,7 +7719,7 @@
                 <a:ea typeface="Calibri" panose="020F0502020204030204" pitchFamily="34" charset="0"/>
                 <a:cs typeface="Arial" panose="020B0604020202020204" pitchFamily="34" charset="0"/>
               </a:rPr>
-              <a:t>Pero, ¿cuándo empieza a surgir el aprendizaje por refuerzo? Este paradigma es el resultado de la convergencia de tres ramas de estudio: el aprendizaje mediante prueba y error, el control óptimo junto con la programación dinámica y, por último, los métodos de diferenciación temporal.</a:t>
+              <a:t>El aprendizaje por refuerzo es el resultado de la convergencia de tres ramas de estudio: el aprendizaje mediante prueba y error, el control óptimo junto con la programación dinámica y, por último, los métodos de diferenciación temporal.</a:t>
             </a:r>
           </a:p>
           <a:p>
@@ -7974,17 +7849,52 @@
                 <a:ea typeface="Calibri" panose="020F0502020204030204" pitchFamily="34" charset="0"/>
                 <a:cs typeface="Arial" panose="020B0604020202020204" pitchFamily="34" charset="0"/>
               </a:rPr>
-              <a:t>comienza en 1850 con el psicólogo británico Conway Lloyd Morgan, que utilizó el término para describir comportamientos en los animales. En términos de aprendizaje fue utilizado por Edward </a:t>
-            </a:r>
-            <a:r>
-              <a:rPr lang="es-ES" sz="1800" dirty="0" err="1">
-                <a:effectLst/>
-                <a:latin typeface="Times New Roman" panose="02020603050405020304" pitchFamily="18" charset="0"/>
-                <a:ea typeface="Calibri" panose="020F0502020204030204" pitchFamily="34" charset="0"/>
-                <a:cs typeface="Arial" panose="020B0604020202020204" pitchFamily="34" charset="0"/>
-              </a:rPr>
-              <a:t>Thorndlike</a:t>
-            </a:r>
+              <a:t>comienza en 1850 con el psicólogo británico Conway Lloyd Morgan, que utilizó el término para describir comportamientos en los animales.</a:t>
+            </a:r>
+          </a:p>
+          <a:p>
+            <a:pPr marL="0" marR="0" lvl="0" indent="0" algn="l" defTabSz="914400" rtl="0" eaLnBrk="1" fontAlgn="auto" latinLnBrk="0" hangingPunct="1">
+              <a:lnSpc>
+                <a:spcPct val="100000"/>
+              </a:lnSpc>
+              <a:spcBef>
+                <a:spcPts val="0"/>
+              </a:spcBef>
+              <a:spcAft>
+                <a:spcPts val="0"/>
+              </a:spcAft>
+              <a:buClrTx/>
+              <a:buSzTx/>
+              <a:buFontTx/>
+              <a:buNone/>
+              <a:tabLst/>
+              <a:defRPr/>
+            </a:pPr>
+            <a:endParaRPr lang="es-ES" sz="1800" dirty="0">
+              <a:effectLst/>
+              <a:latin typeface="Times New Roman" panose="02020603050405020304" pitchFamily="18" charset="0"/>
+              <a:ea typeface="Calibri" panose="020F0502020204030204" pitchFamily="34" charset="0"/>
+              <a:cs typeface="Arial" panose="020B0604020202020204" pitchFamily="34" charset="0"/>
+            </a:endParaRPr>
+          </a:p>
+          <a:p>
+            <a:pPr marL="0" marR="0" lvl="0" indent="0" algn="l" defTabSz="914400" rtl="0" eaLnBrk="1" fontAlgn="auto" latinLnBrk="0" hangingPunct="1">
+              <a:lnSpc>
+                <a:spcPct val="100000"/>
+              </a:lnSpc>
+              <a:spcBef>
+                <a:spcPts val="0"/>
+              </a:spcBef>
+              <a:spcAft>
+                <a:spcPts val="0"/>
+              </a:spcAft>
+              <a:buClrTx/>
+              <a:buSzTx/>
+              <a:buFontTx/>
+              <a:buNone/>
+              <a:tabLst/>
+              <a:defRPr/>
+            </a:pPr>
             <a:r>
               <a:rPr lang="es-ES" sz="1800" dirty="0">
                 <a:effectLst/>
@@ -7992,43 +7902,7 @@
                 <a:ea typeface="Calibri" panose="020F0502020204030204" pitchFamily="34" charset="0"/>
                 <a:cs typeface="Arial" panose="020B0604020202020204" pitchFamily="34" charset="0"/>
               </a:rPr>
-              <a:t> que lo llamó </a:t>
-            </a:r>
-            <a:r>
-              <a:rPr lang="es-ES" sz="1800" b="1" dirty="0">
-                <a:effectLst/>
-                <a:latin typeface="Times New Roman" panose="02020603050405020304" pitchFamily="18" charset="0"/>
-                <a:ea typeface="Calibri" panose="020F0502020204030204" pitchFamily="34" charset="0"/>
-                <a:cs typeface="Arial" panose="020B0604020202020204" pitchFamily="34" charset="0"/>
-              </a:rPr>
-              <a:t>ley de efecto</a:t>
-            </a:r>
-            <a:r>
-              <a:rPr lang="es-ES" sz="1800" dirty="0">
-                <a:effectLst/>
-                <a:latin typeface="Times New Roman" panose="02020603050405020304" pitchFamily="18" charset="0"/>
-                <a:ea typeface="Calibri" panose="020F0502020204030204" pitchFamily="34" charset="0"/>
-                <a:cs typeface="Arial" panose="020B0604020202020204" pitchFamily="34" charset="0"/>
-              </a:rPr>
-              <a:t> porque describe el efecto que tienen las situaciones de </a:t>
-            </a:r>
-            <a:r>
-              <a:rPr lang="es-ES" sz="1800" b="1" dirty="0">
-                <a:effectLst/>
-                <a:latin typeface="Times New Roman" panose="02020603050405020304" pitchFamily="18" charset="0"/>
-                <a:ea typeface="Calibri" panose="020F0502020204030204" pitchFamily="34" charset="0"/>
-                <a:cs typeface="Arial" panose="020B0604020202020204" pitchFamily="34" charset="0"/>
-              </a:rPr>
-              <a:t>refuerzo</a:t>
-            </a:r>
-            <a:r>
-              <a:rPr lang="es-ES" sz="1800" dirty="0">
-                <a:effectLst/>
-                <a:latin typeface="Times New Roman" panose="02020603050405020304" pitchFamily="18" charset="0"/>
-                <a:ea typeface="Calibri" panose="020F0502020204030204" pitchFamily="34" charset="0"/>
-                <a:cs typeface="Arial" panose="020B0604020202020204" pitchFamily="34" charset="0"/>
-              </a:rPr>
-              <a:t> a la hora de realizar ciertas acciones. El refuerzo se define como el fortalecimiento de unos patrones de comportamiento como resultado de darle unos estímulos a un animal, estos cambios se mantienen después de eliminar el reforzador.</a:t>
+              <a:t>El refuerzo es el fortalecimiento de ciertos patrones de comportamiento como resultado de darle unos estímulos a un animal, dichos cambios se mantienen después de eliminar el reforzador.</a:t>
             </a:r>
             <a:endParaRPr lang="es-ES" dirty="0"/>
           </a:p>
@@ -8156,7 +8030,7 @@
                 <a:ea typeface="Calibri" panose="020F0502020204030204" pitchFamily="34" charset="0"/>
                 <a:cs typeface="Arial" panose="020B0604020202020204" pitchFamily="34" charset="0"/>
               </a:rPr>
-              <a:t> comienza a usarse a finales de los 50’s para describir el problema de diseñar un controlador que minimizase la medida del comportamiento de un sistema dinámico. </a:t>
+              <a:t> comienza a usarse a finales de los 50’s cuando </a:t>
             </a:r>
             <a:r>
               <a:rPr lang="es-ES" sz="1800" b="1" dirty="0">
@@ -8192,16 +8066,25 @@
                 <a:ea typeface="Calibri" panose="020F0502020204030204" pitchFamily="34" charset="0"/>
                 <a:cs typeface="Arial" panose="020B0604020202020204" pitchFamily="34" charset="0"/>
               </a:rPr>
-              <a:t>propuso un enfoque basado en los conceptos de los estados de los sistemas dinámicos y las funciones de retorno óptimo (conocidas como ecuaciones optimas de </a:t>
-            </a:r>
-            <a:r>
-              <a:rPr lang="es-ES" sz="1800" dirty="0" err="1">
+              <a:t>propone sus ecuaciones para resolver problemas de control sobre sistemas dinámicos. Estos métodos se conocieron como </a:t>
+            </a:r>
+            <a:r>
+              <a:rPr lang="es-ES" sz="1800" b="1" dirty="0">
                 <a:effectLst/>
                 <a:latin typeface="Times New Roman" panose="02020603050405020304" pitchFamily="18" charset="0"/>
                 <a:ea typeface="Calibri" panose="020F0502020204030204" pitchFamily="34" charset="0"/>
                 <a:cs typeface="Arial" panose="020B0604020202020204" pitchFamily="34" charset="0"/>
               </a:rPr>
-              <a:t>Bellman</a:t>
+              <a:t>programación dinámica </a:t>
+            </a:r>
+            <a:r>
+              <a:rPr lang="es-ES" sz="1800" b="0" dirty="0">
+                <a:effectLst/>
+                <a:latin typeface="Times New Roman" panose="02020603050405020304" pitchFamily="18" charset="0"/>
+                <a:ea typeface="Calibri" panose="020F0502020204030204" pitchFamily="34" charset="0"/>
+                <a:cs typeface="Arial" panose="020B0604020202020204" pitchFamily="34" charset="0"/>
+              </a:rPr>
+              <a:t>y </a:t>
             </a:r>
             <a:r>
               <a:rPr lang="es-ES" sz="1800" dirty="0">
@@ -8210,25 +8093,7 @@
                 <a:ea typeface="Calibri" panose="020F0502020204030204" pitchFamily="34" charset="0"/>
                 <a:cs typeface="Arial" panose="020B0604020202020204" pitchFamily="34" charset="0"/>
               </a:rPr>
-              <a:t>). Los métodos que resolvían estas ecuaciones se conocieron como </a:t>
-            </a:r>
-            <a:r>
-              <a:rPr lang="es-ES" sz="1800" b="1" dirty="0">
-                <a:effectLst/>
-                <a:latin typeface="Times New Roman" panose="02020603050405020304" pitchFamily="18" charset="0"/>
-                <a:ea typeface="Calibri" panose="020F0502020204030204" pitchFamily="34" charset="0"/>
-                <a:cs typeface="Arial" panose="020B0604020202020204" pitchFamily="34" charset="0"/>
-              </a:rPr>
-              <a:t>programación dinámica</a:t>
-            </a:r>
-            <a:r>
-              <a:rPr lang="es-ES" sz="1800" dirty="0">
-                <a:effectLst/>
-                <a:latin typeface="Times New Roman" panose="02020603050405020304" pitchFamily="18" charset="0"/>
-                <a:ea typeface="Calibri" panose="020F0502020204030204" pitchFamily="34" charset="0"/>
-                <a:cs typeface="Arial" panose="020B0604020202020204" pitchFamily="34" charset="0"/>
-              </a:rPr>
-              <a:t>. Estos métodos sufren de lo que </a:t>
+              <a:t>sufren de lo que </a:t>
             </a:r>
             <a:r>
               <a:rPr lang="es-ES" sz="1800" dirty="0" err="1">
@@ -8394,7 +8259,7 @@
                 <a:ea typeface="Calibri" panose="020F0502020204030204" pitchFamily="34" charset="0"/>
                 <a:cs typeface="Arial" panose="020B0604020202020204" pitchFamily="34" charset="0"/>
               </a:rPr>
-              <a:t> donde se utiliza la diferencia entre estimaciones temporales sucesivas. Se origina en la psicología animal, particularmente, en los reforzadores secundarios, que, junto con los reforzadores primarios, tenían unas propiedades de refuerzo similares.</a:t>
+              <a:t> donde se utiliza la diferencia entre estimaciones temporales sucesivas. Se origina en la psicología animal, particularmente, en los reforzadores secundarios.</a:t>
             </a:r>
           </a:p>
           <a:p>
@@ -8497,7 +8362,7 @@
                 <a:ea typeface="Calibri" panose="020F0502020204030204" pitchFamily="34" charset="0"/>
                 <a:cs typeface="Arial" panose="020B0604020202020204" pitchFamily="34" charset="0"/>
               </a:rPr>
-              <a:t>Una vez que hemos situado el aprendizaje por refuerzo, nos preguntamos ¿cómo funciona? </a:t>
+              <a:t>El aprendizaje por refuerzo utiliza una estructura formal que define las interacciones entre el agente y su entorno en términos de estados, acciones y recompensas. </a:t>
             </a:r>
           </a:p>
           <a:p>
@@ -8516,26 +8381,7 @@
                 <a:ea typeface="Calibri" panose="020F0502020204030204" pitchFamily="34" charset="0"/>
                 <a:cs typeface="Arial" panose="020B0604020202020204" pitchFamily="34" charset="0"/>
               </a:rPr>
-              <a:t>Utiliza una estructura formal que define las interacciones entre el agente y su entorno en términos de estados, acciones y recompensas. </a:t>
-            </a:r>
-          </a:p>
-          <a:p>
-            <a:pPr algn="just">
-              <a:lnSpc>
-                <a:spcPct val="107000"/>
-              </a:lnSpc>
-              <a:spcAft>
-                <a:spcPts val="800"/>
-              </a:spcAft>
-            </a:pPr>
-            <a:r>
-              <a:rPr lang="es-ES" sz="1800" dirty="0">
-                <a:effectLst/>
-                <a:latin typeface="Times New Roman" panose="02020603050405020304" pitchFamily="18" charset="0"/>
-                <a:ea typeface="Calibri" panose="020F0502020204030204" pitchFamily="34" charset="0"/>
-                <a:cs typeface="Arial" panose="020B0604020202020204" pitchFamily="34" charset="0"/>
-              </a:rPr>
-              <a:t>En este paradigma, el agente debe aprender por su cuenta las acciones que debe tomar en cada momento en función de la recompensa que obtenga al realizar dicha acción. La respuesta correcta no se da explícitamente, sino que el agente necesita </a:t>
+              <a:t>El agente aprende por su cuenta las acciones que debe tomar en cada momento. La respuesta no se da explícitamente, sino que el agente necesita </a:t>
             </a:r>
             <a:r>
               <a:rPr lang="es-ES" sz="1800" b="1" dirty="0">
@@ -8553,30 +8399,8 @@
                 <a:ea typeface="Calibri" panose="020F0502020204030204" pitchFamily="34" charset="0"/>
                 <a:cs typeface="Arial" panose="020B0604020202020204" pitchFamily="34" charset="0"/>
               </a:rPr>
-              <a:t> qué acciones son mejores utilizando como referencia la recompensa obtenida después de cada acción.</a:t>
-            </a:r>
-          </a:p>
-          <a:p>
-            <a:pPr algn="just">
-              <a:lnSpc>
-                <a:spcPct val="107000"/>
-              </a:lnSpc>
-              <a:spcAft>
-                <a:spcPts val="800"/>
-              </a:spcAft>
-            </a:pPr>
-            <a:r>
-              <a:rPr lang="es-ES" sz="1800" dirty="0">
-                <a:effectLst/>
-                <a:latin typeface="Times New Roman" panose="02020603050405020304" pitchFamily="18" charset="0"/>
-                <a:ea typeface="Calibri" panose="020F0502020204030204" pitchFamily="34" charset="0"/>
-                <a:cs typeface="Arial" panose="020B0604020202020204" pitchFamily="34" charset="0"/>
-              </a:rPr>
-              <a:t>Una vez el agente realiza una acción, el entorno cambia de estado y le proporciona una recompensa al agente. Internamente, calcula el valor del estado siguiente que escogerá teniendo en cuenta tan solo el estado actual y la acción elegida.</a:t>
-            </a:r>
-          </a:p>
-          <a:p>
-            <a:endParaRPr lang="es-ES" dirty="0"/>
+              <a:t> qué acciones son mejores utilizando como referencia la recompensa obtenida tras cada acción. Por último, el agente calcula el valor del estado siguiente teniendo en cuenta solamente el estado actual y la acción elegida.</a:t>
+            </a:r>
           </a:p>
         </p:txBody>
       </p:sp>
@@ -30109,22 +29933,7 @@
                 <a:effectLst/>
                 <a:latin typeface="-apple-system"/>
               </a:rPr>
-              <a:t> 2018) </a:t>
-            </a:r>
-          </a:p>
-          <a:p>
-            <a:r>
-              <a:rPr lang="en-US" dirty="0">
-                <a:latin typeface="-apple-system"/>
-              </a:rPr>
-              <a:t>	</a:t>
-            </a:r>
-            <a:r>
-              <a:rPr lang="en-US" i="0" dirty="0">
-                <a:effectLst/>
-                <a:latin typeface="-apple-system"/>
-              </a:rPr>
-              <a:t>url: </a:t>
+              <a:t> 2018)                                           url: </a:t>
             </a:r>
             <a:r>
               <a:rPr lang="es-ES" dirty="0">
@@ -30167,7 +29976,7 @@
             </a:r>
             <a:r>
               <a:rPr lang="es-ES" dirty="0"/>
-              <a:t> Lozano. url: </a:t>
+              <a:t> Lozano.               url: </a:t>
             </a:r>
             <a:r>
               <a:rPr lang="es-ES" dirty="0">
